--- a/OFFLINE/EXERCICI_3/Presentació WPS Office.pptx
+++ b/OFFLINE/EXERCICI_3/Presentació WPS Office.pptx
@@ -5,23 +5,29 @@
     <p:sldMasterId id="2147483648" r:id="rId1"/>
   </p:sldMasterIdLst>
   <p:notesMasterIdLst>
-    <p:notesMasterId r:id="rId14"/>
+    <p:notesMasterId r:id="rId4"/>
   </p:notesMasterIdLst>
   <p:handoutMasterIdLst>
-    <p:handoutMasterId r:id="rId15"/>
+    <p:handoutMasterId r:id="rId21"/>
   </p:handoutMasterIdLst>
   <p:sldIdLst>
     <p:sldId id="256" r:id="rId3"/>
-    <p:sldId id="257" r:id="rId4"/>
-    <p:sldId id="264" r:id="rId5"/>
-    <p:sldId id="265" r:id="rId6"/>
-    <p:sldId id="266" r:id="rId7"/>
-    <p:sldId id="267" r:id="rId8"/>
-    <p:sldId id="268" r:id="rId9"/>
-    <p:sldId id="258" r:id="rId10"/>
-    <p:sldId id="261" r:id="rId11"/>
-    <p:sldId id="259" r:id="rId12"/>
-    <p:sldId id="260" r:id="rId13"/>
+    <p:sldId id="257" r:id="rId5"/>
+    <p:sldId id="264" r:id="rId6"/>
+    <p:sldId id="265" r:id="rId7"/>
+    <p:sldId id="266" r:id="rId8"/>
+    <p:sldId id="267" r:id="rId9"/>
+    <p:sldId id="268" r:id="rId10"/>
+    <p:sldId id="258" r:id="rId11"/>
+    <p:sldId id="261" r:id="rId12"/>
+    <p:sldId id="259" r:id="rId13"/>
+    <p:sldId id="273" r:id="rId14"/>
+    <p:sldId id="274" r:id="rId15"/>
+    <p:sldId id="275" r:id="rId16"/>
+    <p:sldId id="276" r:id="rId17"/>
+    <p:sldId id="277" r:id="rId18"/>
+    <p:sldId id="278" r:id="rId19"/>
+    <p:sldId id="260" r:id="rId20"/>
   </p:sldIdLst>
   <p:sldSz cx="12192000" cy="6858000"/>
   <p:notesSz cx="7103745" cy="10234295"/>
@@ -278,6 +284,7 @@
     </p:spTree>
   </p:cSld>
   <p:clrMap bg1="lt1" tx1="dk1" bg2="lt2" tx2="dk2" accent1="accent1" accent2="accent2" accent3="accent3" accent4="accent4" accent5="accent5" accent6="accent6" hlink="hlink" folHlink="folHlink"/>
+  <p:hf ftr="0" dt="0"/>
 </p:handoutMaster>
 </file>
 
@@ -533,6 +540,7 @@
     </p:spTree>
   </p:cSld>
   <p:clrMap bg1="lt1" tx1="dk1" bg2="lt2" tx2="dk2" accent1="accent1" accent2="accent2" accent3="accent3" accent4="accent4" accent5="accent5" accent6="accent6" hlink="hlink" folHlink="folHlink"/>
+  <p:hf ftr="0" dt="0"/>
   <p:notesStyle>
     <a:lvl1pPr marL="0" algn="l" defTabSz="914400" rtl="0" eaLnBrk="1" latinLnBrk="0" hangingPunct="1">
       <a:defRPr sz="1200" kern="1200">
@@ -626,6 +634,1417 @@
     </a:lvl9pPr>
   </p:notesStyle>
 </p:notesMaster>
+</file>
+
+<file path=ppt/notesSlides/notesSlide1.xml><?xml version="1.0" encoding="utf-8"?>
+<p:notes xmlns:a="http://schemas.openxmlformats.org/drawingml/2006/main" xmlns:r="http://schemas.openxmlformats.org/officeDocument/2006/relationships" xmlns:p="http://schemas.openxmlformats.org/presentationml/2006/main">
+  <p:cSld>
+    <p:spTree>
+      <p:nvGrpSpPr>
+        <p:cNvPr id="1" name=""/>
+        <p:cNvGrpSpPr/>
+        <p:nvPr/>
+      </p:nvGrpSpPr>
+      <p:grpSpPr/>
+      <p:sp>
+        <p:nvSpPr>
+          <p:cNvPr id="2" name="Slide Image Placeholder 1"/>
+          <p:cNvSpPr/>
+          <p:nvPr>
+            <p:ph type="sldImg" idx="2"/>
+          </p:nvPr>
+        </p:nvSpPr>
+        <p:spPr/>
+      </p:sp>
+      <p:sp>
+        <p:nvSpPr>
+          <p:cNvPr id="3" name="Text Placeholder 2"/>
+          <p:cNvSpPr/>
+          <p:nvPr>
+            <p:ph type="body" idx="3"/>
+          </p:nvPr>
+        </p:nvSpPr>
+        <p:spPr/>
+        <p:txBody>
+          <a:bodyPr/>
+          <a:p>
+            <a:endParaRPr lang="en-US"/>
+          </a:p>
+        </p:txBody>
+      </p:sp>
+      <p:sp>
+        <p:nvSpPr>
+          <p:cNvPr id="4" name="Slide Number Placeholder 3"/>
+          <p:cNvSpPr>
+            <a:spLocks noGrp="1"/>
+          </p:cNvSpPr>
+          <p:nvPr>
+            <p:ph type="sldNum" sz="quarter" idx="5"/>
+          </p:nvPr>
+        </p:nvSpPr>
+        <p:spPr/>
+        <p:txBody>
+          <a:bodyPr/>
+          <a:p>
+            <a:fld id="{85D0DACE-38E0-42D2-9336-2B707D34BC6D}" type="slidenum">
+              <a:rPr lang="zh-CN" altLang="en-US" smtClean="0"/>
+            </a:fld>
+            <a:endParaRPr lang="zh-CN" altLang="en-US"/>
+          </a:p>
+        </p:txBody>
+      </p:sp>
+      <p:sp>
+        <p:nvSpPr>
+          <p:cNvPr id="5" name="Header Placeholder 4"/>
+          <p:cNvSpPr>
+            <a:spLocks noGrp="1"/>
+          </p:cNvSpPr>
+          <p:nvPr>
+            <p:ph type="hdr" sz="quarter"/>
+          </p:nvPr>
+        </p:nvSpPr>
+        <p:spPr/>
+        <p:txBody>
+          <a:bodyPr/>
+          <a:p>
+            <a:endParaRPr lang="zh-CN" altLang="en-US"/>
+          </a:p>
+        </p:txBody>
+      </p:sp>
+    </p:spTree>
+  </p:cSld>
+  <p:clrMapOvr>
+    <a:masterClrMapping/>
+  </p:clrMapOvr>
+</p:notes>
+</file>
+
+<file path=ppt/notesSlides/notesSlide10.xml><?xml version="1.0" encoding="utf-8"?>
+<p:notes xmlns:a="http://schemas.openxmlformats.org/drawingml/2006/main" xmlns:r="http://schemas.openxmlformats.org/officeDocument/2006/relationships" xmlns:p="http://schemas.openxmlformats.org/presentationml/2006/main">
+  <p:cSld>
+    <p:spTree>
+      <p:nvGrpSpPr>
+        <p:cNvPr id="1" name=""/>
+        <p:cNvGrpSpPr/>
+        <p:nvPr/>
+      </p:nvGrpSpPr>
+      <p:grpSpPr/>
+      <p:sp>
+        <p:nvSpPr>
+          <p:cNvPr id="2" name="Slide Image Placeholder 1"/>
+          <p:cNvSpPr/>
+          <p:nvPr>
+            <p:ph type="sldImg" idx="2"/>
+          </p:nvPr>
+        </p:nvSpPr>
+        <p:spPr/>
+      </p:sp>
+      <p:sp>
+        <p:nvSpPr>
+          <p:cNvPr id="3" name="Text Placeholder 2"/>
+          <p:cNvSpPr/>
+          <p:nvPr>
+            <p:ph type="body" idx="3"/>
+          </p:nvPr>
+        </p:nvSpPr>
+        <p:spPr/>
+        <p:txBody>
+          <a:bodyPr/>
+          <a:p>
+            <a:endParaRPr lang="en-US"/>
+          </a:p>
+        </p:txBody>
+      </p:sp>
+      <p:sp>
+        <p:nvSpPr>
+          <p:cNvPr id="4" name="Slide Number Placeholder 3"/>
+          <p:cNvSpPr>
+            <a:spLocks noGrp="1"/>
+          </p:cNvSpPr>
+          <p:nvPr>
+            <p:ph type="sldNum" sz="quarter" idx="5"/>
+          </p:nvPr>
+        </p:nvSpPr>
+        <p:spPr/>
+        <p:txBody>
+          <a:bodyPr/>
+          <a:p>
+            <a:fld id="{85D0DACE-38E0-42D2-9336-2B707D34BC6D}" type="slidenum">
+              <a:rPr lang="zh-CN" altLang="en-US" smtClean="0"/>
+            </a:fld>
+            <a:endParaRPr lang="zh-CN" altLang="en-US"/>
+          </a:p>
+        </p:txBody>
+      </p:sp>
+      <p:sp>
+        <p:nvSpPr>
+          <p:cNvPr id="5" name="Header Placeholder 4"/>
+          <p:cNvSpPr>
+            <a:spLocks noGrp="1"/>
+          </p:cNvSpPr>
+          <p:nvPr>
+            <p:ph type="hdr" sz="quarter"/>
+          </p:nvPr>
+        </p:nvSpPr>
+        <p:spPr/>
+        <p:txBody>
+          <a:bodyPr/>
+          <a:p>
+            <a:endParaRPr lang="zh-CN" altLang="en-US"/>
+          </a:p>
+        </p:txBody>
+      </p:sp>
+    </p:spTree>
+  </p:cSld>
+  <p:clrMapOvr>
+    <a:masterClrMapping/>
+  </p:clrMapOvr>
+</p:notes>
+</file>
+
+<file path=ppt/notesSlides/notesSlide11.xml><?xml version="1.0" encoding="utf-8"?>
+<p:notes xmlns:a="http://schemas.openxmlformats.org/drawingml/2006/main" xmlns:r="http://schemas.openxmlformats.org/officeDocument/2006/relationships" xmlns:p="http://schemas.openxmlformats.org/presentationml/2006/main">
+  <p:cSld>
+    <p:spTree>
+      <p:nvGrpSpPr>
+        <p:cNvPr id="1" name=""/>
+        <p:cNvGrpSpPr/>
+        <p:nvPr/>
+      </p:nvGrpSpPr>
+      <p:grpSpPr/>
+      <p:sp>
+        <p:nvSpPr>
+          <p:cNvPr id="2" name="Slide Image Placeholder 1"/>
+          <p:cNvSpPr/>
+          <p:nvPr>
+            <p:ph type="sldImg" idx="2"/>
+          </p:nvPr>
+        </p:nvSpPr>
+        <p:spPr/>
+      </p:sp>
+      <p:sp>
+        <p:nvSpPr>
+          <p:cNvPr id="3" name="Text Placeholder 2"/>
+          <p:cNvSpPr/>
+          <p:nvPr>
+            <p:ph type="body" idx="3"/>
+          </p:nvPr>
+        </p:nvSpPr>
+        <p:spPr/>
+        <p:txBody>
+          <a:bodyPr/>
+          <a:p>
+            <a:endParaRPr lang="en-US"/>
+          </a:p>
+        </p:txBody>
+      </p:sp>
+      <p:sp>
+        <p:nvSpPr>
+          <p:cNvPr id="4" name="Slide Number Placeholder 3"/>
+          <p:cNvSpPr>
+            <a:spLocks noGrp="1"/>
+          </p:cNvSpPr>
+          <p:nvPr>
+            <p:ph type="sldNum" sz="quarter" idx="5"/>
+          </p:nvPr>
+        </p:nvSpPr>
+        <p:spPr/>
+        <p:txBody>
+          <a:bodyPr/>
+          <a:p>
+            <a:fld id="{85D0DACE-38E0-42D2-9336-2B707D34BC6D}" type="slidenum">
+              <a:rPr lang="zh-CN" altLang="en-US" smtClean="0"/>
+            </a:fld>
+            <a:endParaRPr lang="zh-CN" altLang="en-US"/>
+          </a:p>
+        </p:txBody>
+      </p:sp>
+      <p:sp>
+        <p:nvSpPr>
+          <p:cNvPr id="5" name="Header Placeholder 4"/>
+          <p:cNvSpPr>
+            <a:spLocks noGrp="1"/>
+          </p:cNvSpPr>
+          <p:nvPr>
+            <p:ph type="hdr" sz="quarter"/>
+          </p:nvPr>
+        </p:nvSpPr>
+        <p:spPr/>
+        <p:txBody>
+          <a:bodyPr/>
+          <a:p>
+            <a:endParaRPr lang="zh-CN" altLang="en-US"/>
+          </a:p>
+        </p:txBody>
+      </p:sp>
+    </p:spTree>
+  </p:cSld>
+  <p:clrMapOvr>
+    <a:masterClrMapping/>
+  </p:clrMapOvr>
+</p:notes>
+</file>
+
+<file path=ppt/notesSlides/notesSlide12.xml><?xml version="1.0" encoding="utf-8"?>
+<p:notes xmlns:a="http://schemas.openxmlformats.org/drawingml/2006/main" xmlns:r="http://schemas.openxmlformats.org/officeDocument/2006/relationships" xmlns:p="http://schemas.openxmlformats.org/presentationml/2006/main">
+  <p:cSld>
+    <p:spTree>
+      <p:nvGrpSpPr>
+        <p:cNvPr id="1" name=""/>
+        <p:cNvGrpSpPr/>
+        <p:nvPr/>
+      </p:nvGrpSpPr>
+      <p:grpSpPr/>
+      <p:sp>
+        <p:nvSpPr>
+          <p:cNvPr id="2" name="Slide Image Placeholder 1"/>
+          <p:cNvSpPr/>
+          <p:nvPr>
+            <p:ph type="sldImg" idx="2"/>
+          </p:nvPr>
+        </p:nvSpPr>
+        <p:spPr/>
+      </p:sp>
+      <p:sp>
+        <p:nvSpPr>
+          <p:cNvPr id="3" name="Text Placeholder 2"/>
+          <p:cNvSpPr/>
+          <p:nvPr>
+            <p:ph type="body" idx="3"/>
+          </p:nvPr>
+        </p:nvSpPr>
+        <p:spPr/>
+        <p:txBody>
+          <a:bodyPr/>
+          <a:p>
+            <a:endParaRPr lang="en-US"/>
+          </a:p>
+        </p:txBody>
+      </p:sp>
+      <p:sp>
+        <p:nvSpPr>
+          <p:cNvPr id="4" name="Slide Number Placeholder 3"/>
+          <p:cNvSpPr>
+            <a:spLocks noGrp="1"/>
+          </p:cNvSpPr>
+          <p:nvPr>
+            <p:ph type="sldNum" sz="quarter" idx="5"/>
+          </p:nvPr>
+        </p:nvSpPr>
+        <p:spPr/>
+        <p:txBody>
+          <a:bodyPr/>
+          <a:p>
+            <a:fld id="{85D0DACE-38E0-42D2-9336-2B707D34BC6D}" type="slidenum">
+              <a:rPr lang="zh-CN" altLang="en-US" smtClean="0"/>
+            </a:fld>
+            <a:endParaRPr lang="zh-CN" altLang="en-US"/>
+          </a:p>
+        </p:txBody>
+      </p:sp>
+      <p:sp>
+        <p:nvSpPr>
+          <p:cNvPr id="5" name="Header Placeholder 4"/>
+          <p:cNvSpPr>
+            <a:spLocks noGrp="1"/>
+          </p:cNvSpPr>
+          <p:nvPr>
+            <p:ph type="hdr" sz="quarter"/>
+          </p:nvPr>
+        </p:nvSpPr>
+        <p:spPr/>
+        <p:txBody>
+          <a:bodyPr/>
+          <a:p>
+            <a:endParaRPr lang="zh-CN" altLang="en-US"/>
+          </a:p>
+        </p:txBody>
+      </p:sp>
+    </p:spTree>
+  </p:cSld>
+  <p:clrMapOvr>
+    <a:masterClrMapping/>
+  </p:clrMapOvr>
+</p:notes>
+</file>
+
+<file path=ppt/notesSlides/notesSlide13.xml><?xml version="1.0" encoding="utf-8"?>
+<p:notes xmlns:a="http://schemas.openxmlformats.org/drawingml/2006/main" xmlns:r="http://schemas.openxmlformats.org/officeDocument/2006/relationships" xmlns:p="http://schemas.openxmlformats.org/presentationml/2006/main">
+  <p:cSld>
+    <p:spTree>
+      <p:nvGrpSpPr>
+        <p:cNvPr id="1" name=""/>
+        <p:cNvGrpSpPr/>
+        <p:nvPr/>
+      </p:nvGrpSpPr>
+      <p:grpSpPr/>
+      <p:sp>
+        <p:nvSpPr>
+          <p:cNvPr id="2" name="Slide Image Placeholder 1"/>
+          <p:cNvSpPr/>
+          <p:nvPr>
+            <p:ph type="sldImg" idx="2"/>
+          </p:nvPr>
+        </p:nvSpPr>
+        <p:spPr/>
+      </p:sp>
+      <p:sp>
+        <p:nvSpPr>
+          <p:cNvPr id="3" name="Text Placeholder 2"/>
+          <p:cNvSpPr/>
+          <p:nvPr>
+            <p:ph type="body" idx="3"/>
+          </p:nvPr>
+        </p:nvSpPr>
+        <p:spPr/>
+        <p:txBody>
+          <a:bodyPr/>
+          <a:p>
+            <a:endParaRPr lang="en-US"/>
+          </a:p>
+        </p:txBody>
+      </p:sp>
+      <p:sp>
+        <p:nvSpPr>
+          <p:cNvPr id="4" name="Slide Number Placeholder 3"/>
+          <p:cNvSpPr>
+            <a:spLocks noGrp="1"/>
+          </p:cNvSpPr>
+          <p:nvPr>
+            <p:ph type="sldNum" sz="quarter" idx="5"/>
+          </p:nvPr>
+        </p:nvSpPr>
+        <p:spPr/>
+        <p:txBody>
+          <a:bodyPr/>
+          <a:p>
+            <a:fld id="{85D0DACE-38E0-42D2-9336-2B707D34BC6D}" type="slidenum">
+              <a:rPr lang="zh-CN" altLang="en-US" smtClean="0"/>
+            </a:fld>
+            <a:endParaRPr lang="zh-CN" altLang="en-US"/>
+          </a:p>
+        </p:txBody>
+      </p:sp>
+      <p:sp>
+        <p:nvSpPr>
+          <p:cNvPr id="5" name="Header Placeholder 4"/>
+          <p:cNvSpPr>
+            <a:spLocks noGrp="1"/>
+          </p:cNvSpPr>
+          <p:nvPr>
+            <p:ph type="hdr" sz="quarter"/>
+          </p:nvPr>
+        </p:nvSpPr>
+        <p:spPr/>
+        <p:txBody>
+          <a:bodyPr/>
+          <a:p>
+            <a:endParaRPr lang="zh-CN" altLang="en-US"/>
+          </a:p>
+        </p:txBody>
+      </p:sp>
+    </p:spTree>
+  </p:cSld>
+  <p:clrMapOvr>
+    <a:masterClrMapping/>
+  </p:clrMapOvr>
+</p:notes>
+</file>
+
+<file path=ppt/notesSlides/notesSlide14.xml><?xml version="1.0" encoding="utf-8"?>
+<p:notes xmlns:a="http://schemas.openxmlformats.org/drawingml/2006/main" xmlns:r="http://schemas.openxmlformats.org/officeDocument/2006/relationships" xmlns:p="http://schemas.openxmlformats.org/presentationml/2006/main">
+  <p:cSld>
+    <p:spTree>
+      <p:nvGrpSpPr>
+        <p:cNvPr id="1" name=""/>
+        <p:cNvGrpSpPr/>
+        <p:nvPr/>
+      </p:nvGrpSpPr>
+      <p:grpSpPr/>
+      <p:sp>
+        <p:nvSpPr>
+          <p:cNvPr id="2" name="Slide Image Placeholder 1"/>
+          <p:cNvSpPr/>
+          <p:nvPr>
+            <p:ph type="sldImg" idx="2"/>
+          </p:nvPr>
+        </p:nvSpPr>
+        <p:spPr/>
+      </p:sp>
+      <p:sp>
+        <p:nvSpPr>
+          <p:cNvPr id="3" name="Text Placeholder 2"/>
+          <p:cNvSpPr/>
+          <p:nvPr>
+            <p:ph type="body" idx="3"/>
+          </p:nvPr>
+        </p:nvSpPr>
+        <p:spPr/>
+        <p:txBody>
+          <a:bodyPr/>
+          <a:p>
+            <a:endParaRPr lang="en-US"/>
+          </a:p>
+        </p:txBody>
+      </p:sp>
+      <p:sp>
+        <p:nvSpPr>
+          <p:cNvPr id="4" name="Slide Number Placeholder 3"/>
+          <p:cNvSpPr>
+            <a:spLocks noGrp="1"/>
+          </p:cNvSpPr>
+          <p:nvPr>
+            <p:ph type="sldNum" sz="quarter" idx="5"/>
+          </p:nvPr>
+        </p:nvSpPr>
+        <p:spPr/>
+        <p:txBody>
+          <a:bodyPr/>
+          <a:p>
+            <a:fld id="{85D0DACE-38E0-42D2-9336-2B707D34BC6D}" type="slidenum">
+              <a:rPr lang="zh-CN" altLang="en-US" smtClean="0"/>
+            </a:fld>
+            <a:endParaRPr lang="zh-CN" altLang="en-US"/>
+          </a:p>
+        </p:txBody>
+      </p:sp>
+      <p:sp>
+        <p:nvSpPr>
+          <p:cNvPr id="5" name="Header Placeholder 4"/>
+          <p:cNvSpPr>
+            <a:spLocks noGrp="1"/>
+          </p:cNvSpPr>
+          <p:nvPr>
+            <p:ph type="hdr" sz="quarter"/>
+          </p:nvPr>
+        </p:nvSpPr>
+        <p:spPr/>
+        <p:txBody>
+          <a:bodyPr/>
+          <a:p>
+            <a:endParaRPr lang="zh-CN" altLang="en-US"/>
+          </a:p>
+        </p:txBody>
+      </p:sp>
+    </p:spTree>
+  </p:cSld>
+  <p:clrMapOvr>
+    <a:masterClrMapping/>
+  </p:clrMapOvr>
+</p:notes>
+</file>
+
+<file path=ppt/notesSlides/notesSlide15.xml><?xml version="1.0" encoding="utf-8"?>
+<p:notes xmlns:a="http://schemas.openxmlformats.org/drawingml/2006/main" xmlns:r="http://schemas.openxmlformats.org/officeDocument/2006/relationships" xmlns:p="http://schemas.openxmlformats.org/presentationml/2006/main">
+  <p:cSld>
+    <p:spTree>
+      <p:nvGrpSpPr>
+        <p:cNvPr id="1" name=""/>
+        <p:cNvGrpSpPr/>
+        <p:nvPr/>
+      </p:nvGrpSpPr>
+      <p:grpSpPr/>
+      <p:sp>
+        <p:nvSpPr>
+          <p:cNvPr id="2" name="Slide Image Placeholder 1"/>
+          <p:cNvSpPr/>
+          <p:nvPr>
+            <p:ph type="sldImg" idx="2"/>
+          </p:nvPr>
+        </p:nvSpPr>
+        <p:spPr/>
+      </p:sp>
+      <p:sp>
+        <p:nvSpPr>
+          <p:cNvPr id="3" name="Text Placeholder 2"/>
+          <p:cNvSpPr/>
+          <p:nvPr>
+            <p:ph type="body" idx="3"/>
+          </p:nvPr>
+        </p:nvSpPr>
+        <p:spPr/>
+        <p:txBody>
+          <a:bodyPr/>
+          <a:p>
+            <a:endParaRPr lang="en-US"/>
+          </a:p>
+        </p:txBody>
+      </p:sp>
+      <p:sp>
+        <p:nvSpPr>
+          <p:cNvPr id="4" name="Slide Number Placeholder 3"/>
+          <p:cNvSpPr>
+            <a:spLocks noGrp="1"/>
+          </p:cNvSpPr>
+          <p:nvPr>
+            <p:ph type="sldNum" sz="quarter" idx="5"/>
+          </p:nvPr>
+        </p:nvSpPr>
+        <p:spPr/>
+        <p:txBody>
+          <a:bodyPr/>
+          <a:p>
+            <a:fld id="{85D0DACE-38E0-42D2-9336-2B707D34BC6D}" type="slidenum">
+              <a:rPr lang="zh-CN" altLang="en-US" smtClean="0"/>
+            </a:fld>
+            <a:endParaRPr lang="zh-CN" altLang="en-US"/>
+          </a:p>
+        </p:txBody>
+      </p:sp>
+      <p:sp>
+        <p:nvSpPr>
+          <p:cNvPr id="5" name="Header Placeholder 4"/>
+          <p:cNvSpPr>
+            <a:spLocks noGrp="1"/>
+          </p:cNvSpPr>
+          <p:nvPr>
+            <p:ph type="hdr" sz="quarter"/>
+          </p:nvPr>
+        </p:nvSpPr>
+        <p:spPr/>
+        <p:txBody>
+          <a:bodyPr/>
+          <a:p>
+            <a:endParaRPr lang="zh-CN" altLang="en-US"/>
+          </a:p>
+        </p:txBody>
+      </p:sp>
+    </p:spTree>
+  </p:cSld>
+  <p:clrMapOvr>
+    <a:masterClrMapping/>
+  </p:clrMapOvr>
+</p:notes>
+</file>
+
+<file path=ppt/notesSlides/notesSlide16.xml><?xml version="1.0" encoding="utf-8"?>
+<p:notes xmlns:a="http://schemas.openxmlformats.org/drawingml/2006/main" xmlns:r="http://schemas.openxmlformats.org/officeDocument/2006/relationships" xmlns:p="http://schemas.openxmlformats.org/presentationml/2006/main">
+  <p:cSld>
+    <p:spTree>
+      <p:nvGrpSpPr>
+        <p:cNvPr id="1" name=""/>
+        <p:cNvGrpSpPr/>
+        <p:nvPr/>
+      </p:nvGrpSpPr>
+      <p:grpSpPr/>
+      <p:sp>
+        <p:nvSpPr>
+          <p:cNvPr id="2" name="Slide Image Placeholder 1"/>
+          <p:cNvSpPr/>
+          <p:nvPr>
+            <p:ph type="sldImg" idx="2"/>
+          </p:nvPr>
+        </p:nvSpPr>
+        <p:spPr/>
+      </p:sp>
+      <p:sp>
+        <p:nvSpPr>
+          <p:cNvPr id="3" name="Text Placeholder 2"/>
+          <p:cNvSpPr/>
+          <p:nvPr>
+            <p:ph type="body" idx="3"/>
+          </p:nvPr>
+        </p:nvSpPr>
+        <p:spPr/>
+        <p:txBody>
+          <a:bodyPr/>
+          <a:p>
+            <a:endParaRPr lang="en-US"/>
+          </a:p>
+        </p:txBody>
+      </p:sp>
+      <p:sp>
+        <p:nvSpPr>
+          <p:cNvPr id="4" name="Slide Number Placeholder 3"/>
+          <p:cNvSpPr>
+            <a:spLocks noGrp="1"/>
+          </p:cNvSpPr>
+          <p:nvPr>
+            <p:ph type="sldNum" sz="quarter" idx="5"/>
+          </p:nvPr>
+        </p:nvSpPr>
+        <p:spPr/>
+        <p:txBody>
+          <a:bodyPr/>
+          <a:p>
+            <a:fld id="{85D0DACE-38E0-42D2-9336-2B707D34BC6D}" type="slidenum">
+              <a:rPr lang="zh-CN" altLang="en-US" smtClean="0"/>
+            </a:fld>
+            <a:endParaRPr lang="zh-CN" altLang="en-US"/>
+          </a:p>
+        </p:txBody>
+      </p:sp>
+      <p:sp>
+        <p:nvSpPr>
+          <p:cNvPr id="5" name="Header Placeholder 4"/>
+          <p:cNvSpPr>
+            <a:spLocks noGrp="1"/>
+          </p:cNvSpPr>
+          <p:nvPr>
+            <p:ph type="hdr" sz="quarter"/>
+          </p:nvPr>
+        </p:nvSpPr>
+        <p:spPr/>
+        <p:txBody>
+          <a:bodyPr/>
+          <a:p>
+            <a:endParaRPr lang="zh-CN" altLang="en-US"/>
+          </a:p>
+        </p:txBody>
+      </p:sp>
+    </p:spTree>
+  </p:cSld>
+  <p:clrMapOvr>
+    <a:masterClrMapping/>
+  </p:clrMapOvr>
+</p:notes>
+</file>
+
+<file path=ppt/notesSlides/notesSlide17.xml><?xml version="1.0" encoding="utf-8"?>
+<p:notes xmlns:a="http://schemas.openxmlformats.org/drawingml/2006/main" xmlns:r="http://schemas.openxmlformats.org/officeDocument/2006/relationships" xmlns:p="http://schemas.openxmlformats.org/presentationml/2006/main">
+  <p:cSld>
+    <p:spTree>
+      <p:nvGrpSpPr>
+        <p:cNvPr id="1" name=""/>
+        <p:cNvGrpSpPr/>
+        <p:nvPr/>
+      </p:nvGrpSpPr>
+      <p:grpSpPr/>
+      <p:sp>
+        <p:nvSpPr>
+          <p:cNvPr id="2" name="Slide Image Placeholder 1"/>
+          <p:cNvSpPr/>
+          <p:nvPr>
+            <p:ph type="sldImg" idx="2"/>
+          </p:nvPr>
+        </p:nvSpPr>
+        <p:spPr/>
+      </p:sp>
+      <p:sp>
+        <p:nvSpPr>
+          <p:cNvPr id="3" name="Text Placeholder 2"/>
+          <p:cNvSpPr/>
+          <p:nvPr>
+            <p:ph type="body" idx="3"/>
+          </p:nvPr>
+        </p:nvSpPr>
+        <p:spPr/>
+        <p:txBody>
+          <a:bodyPr/>
+          <a:p>
+            <a:endParaRPr lang="en-US"/>
+          </a:p>
+        </p:txBody>
+      </p:sp>
+      <p:sp>
+        <p:nvSpPr>
+          <p:cNvPr id="4" name="Slide Number Placeholder 3"/>
+          <p:cNvSpPr>
+            <a:spLocks noGrp="1"/>
+          </p:cNvSpPr>
+          <p:nvPr>
+            <p:ph type="sldNum" sz="quarter" idx="5"/>
+          </p:nvPr>
+        </p:nvSpPr>
+        <p:spPr/>
+        <p:txBody>
+          <a:bodyPr/>
+          <a:p>
+            <a:fld id="{85D0DACE-38E0-42D2-9336-2B707D34BC6D}" type="slidenum">
+              <a:rPr lang="zh-CN" altLang="en-US" smtClean="0"/>
+            </a:fld>
+            <a:endParaRPr lang="zh-CN" altLang="en-US"/>
+          </a:p>
+        </p:txBody>
+      </p:sp>
+      <p:sp>
+        <p:nvSpPr>
+          <p:cNvPr id="5" name="Header Placeholder 4"/>
+          <p:cNvSpPr>
+            <a:spLocks noGrp="1"/>
+          </p:cNvSpPr>
+          <p:nvPr>
+            <p:ph type="hdr" sz="quarter"/>
+          </p:nvPr>
+        </p:nvSpPr>
+        <p:spPr/>
+        <p:txBody>
+          <a:bodyPr/>
+          <a:p>
+            <a:endParaRPr lang="zh-CN" altLang="en-US"/>
+          </a:p>
+        </p:txBody>
+      </p:sp>
+    </p:spTree>
+  </p:cSld>
+  <p:clrMapOvr>
+    <a:masterClrMapping/>
+  </p:clrMapOvr>
+</p:notes>
+</file>
+
+<file path=ppt/notesSlides/notesSlide2.xml><?xml version="1.0" encoding="utf-8"?>
+<p:notes xmlns:a="http://schemas.openxmlformats.org/drawingml/2006/main" xmlns:r="http://schemas.openxmlformats.org/officeDocument/2006/relationships" xmlns:p="http://schemas.openxmlformats.org/presentationml/2006/main">
+  <p:cSld>
+    <p:spTree>
+      <p:nvGrpSpPr>
+        <p:cNvPr id="1" name=""/>
+        <p:cNvGrpSpPr/>
+        <p:nvPr/>
+      </p:nvGrpSpPr>
+      <p:grpSpPr/>
+      <p:sp>
+        <p:nvSpPr>
+          <p:cNvPr id="2" name="Slide Image Placeholder 1"/>
+          <p:cNvSpPr/>
+          <p:nvPr>
+            <p:ph type="sldImg" idx="2"/>
+          </p:nvPr>
+        </p:nvSpPr>
+        <p:spPr/>
+      </p:sp>
+      <p:sp>
+        <p:nvSpPr>
+          <p:cNvPr id="3" name="Text Placeholder 2"/>
+          <p:cNvSpPr/>
+          <p:nvPr>
+            <p:ph type="body" idx="3"/>
+          </p:nvPr>
+        </p:nvSpPr>
+        <p:spPr/>
+        <p:txBody>
+          <a:bodyPr/>
+          <a:p>
+            <a:endParaRPr lang="en-US"/>
+          </a:p>
+        </p:txBody>
+      </p:sp>
+      <p:sp>
+        <p:nvSpPr>
+          <p:cNvPr id="4" name="Slide Number Placeholder 3"/>
+          <p:cNvSpPr>
+            <a:spLocks noGrp="1"/>
+          </p:cNvSpPr>
+          <p:nvPr>
+            <p:ph type="sldNum" sz="quarter" idx="5"/>
+          </p:nvPr>
+        </p:nvSpPr>
+        <p:spPr/>
+        <p:txBody>
+          <a:bodyPr/>
+          <a:p>
+            <a:fld id="{85D0DACE-38E0-42D2-9336-2B707D34BC6D}" type="slidenum">
+              <a:rPr lang="zh-CN" altLang="en-US" smtClean="0"/>
+            </a:fld>
+            <a:endParaRPr lang="zh-CN" altLang="en-US"/>
+          </a:p>
+        </p:txBody>
+      </p:sp>
+      <p:sp>
+        <p:nvSpPr>
+          <p:cNvPr id="5" name="Header Placeholder 4"/>
+          <p:cNvSpPr>
+            <a:spLocks noGrp="1"/>
+          </p:cNvSpPr>
+          <p:nvPr>
+            <p:ph type="hdr" sz="quarter"/>
+          </p:nvPr>
+        </p:nvSpPr>
+        <p:spPr/>
+        <p:txBody>
+          <a:bodyPr/>
+          <a:p>
+            <a:endParaRPr lang="zh-CN" altLang="en-US"/>
+          </a:p>
+        </p:txBody>
+      </p:sp>
+    </p:spTree>
+  </p:cSld>
+  <p:clrMapOvr>
+    <a:masterClrMapping/>
+  </p:clrMapOvr>
+</p:notes>
+</file>
+
+<file path=ppt/notesSlides/notesSlide3.xml><?xml version="1.0" encoding="utf-8"?>
+<p:notes xmlns:a="http://schemas.openxmlformats.org/drawingml/2006/main" xmlns:r="http://schemas.openxmlformats.org/officeDocument/2006/relationships" xmlns:p="http://schemas.openxmlformats.org/presentationml/2006/main">
+  <p:cSld>
+    <p:spTree>
+      <p:nvGrpSpPr>
+        <p:cNvPr id="1" name=""/>
+        <p:cNvGrpSpPr/>
+        <p:nvPr/>
+      </p:nvGrpSpPr>
+      <p:grpSpPr/>
+      <p:sp>
+        <p:nvSpPr>
+          <p:cNvPr id="2" name="Slide Image Placeholder 1"/>
+          <p:cNvSpPr/>
+          <p:nvPr>
+            <p:ph type="sldImg" idx="2"/>
+          </p:nvPr>
+        </p:nvSpPr>
+        <p:spPr/>
+      </p:sp>
+      <p:sp>
+        <p:nvSpPr>
+          <p:cNvPr id="3" name="Text Placeholder 2"/>
+          <p:cNvSpPr/>
+          <p:nvPr>
+            <p:ph type="body" idx="3"/>
+          </p:nvPr>
+        </p:nvSpPr>
+        <p:spPr/>
+        <p:txBody>
+          <a:bodyPr/>
+          <a:p>
+            <a:endParaRPr lang="en-US"/>
+          </a:p>
+        </p:txBody>
+      </p:sp>
+      <p:sp>
+        <p:nvSpPr>
+          <p:cNvPr id="4" name="Slide Number Placeholder 3"/>
+          <p:cNvSpPr>
+            <a:spLocks noGrp="1"/>
+          </p:cNvSpPr>
+          <p:nvPr>
+            <p:ph type="sldNum" sz="quarter" idx="5"/>
+          </p:nvPr>
+        </p:nvSpPr>
+        <p:spPr/>
+        <p:txBody>
+          <a:bodyPr/>
+          <a:p>
+            <a:fld id="{85D0DACE-38E0-42D2-9336-2B707D34BC6D}" type="slidenum">
+              <a:rPr lang="zh-CN" altLang="en-US" smtClean="0"/>
+            </a:fld>
+            <a:endParaRPr lang="zh-CN" altLang="en-US"/>
+          </a:p>
+        </p:txBody>
+      </p:sp>
+      <p:sp>
+        <p:nvSpPr>
+          <p:cNvPr id="5" name="Header Placeholder 4"/>
+          <p:cNvSpPr>
+            <a:spLocks noGrp="1"/>
+          </p:cNvSpPr>
+          <p:nvPr>
+            <p:ph type="hdr" sz="quarter"/>
+          </p:nvPr>
+        </p:nvSpPr>
+        <p:spPr/>
+        <p:txBody>
+          <a:bodyPr/>
+          <a:p>
+            <a:endParaRPr lang="zh-CN" altLang="en-US"/>
+          </a:p>
+        </p:txBody>
+      </p:sp>
+    </p:spTree>
+  </p:cSld>
+  <p:clrMapOvr>
+    <a:masterClrMapping/>
+  </p:clrMapOvr>
+</p:notes>
+</file>
+
+<file path=ppt/notesSlides/notesSlide4.xml><?xml version="1.0" encoding="utf-8"?>
+<p:notes xmlns:a="http://schemas.openxmlformats.org/drawingml/2006/main" xmlns:r="http://schemas.openxmlformats.org/officeDocument/2006/relationships" xmlns:p="http://schemas.openxmlformats.org/presentationml/2006/main">
+  <p:cSld>
+    <p:spTree>
+      <p:nvGrpSpPr>
+        <p:cNvPr id="1" name=""/>
+        <p:cNvGrpSpPr/>
+        <p:nvPr/>
+      </p:nvGrpSpPr>
+      <p:grpSpPr/>
+      <p:sp>
+        <p:nvSpPr>
+          <p:cNvPr id="2" name="Slide Image Placeholder 1"/>
+          <p:cNvSpPr/>
+          <p:nvPr>
+            <p:ph type="sldImg" idx="2"/>
+          </p:nvPr>
+        </p:nvSpPr>
+        <p:spPr/>
+      </p:sp>
+      <p:sp>
+        <p:nvSpPr>
+          <p:cNvPr id="3" name="Text Placeholder 2"/>
+          <p:cNvSpPr/>
+          <p:nvPr>
+            <p:ph type="body" idx="3"/>
+          </p:nvPr>
+        </p:nvSpPr>
+        <p:spPr/>
+        <p:txBody>
+          <a:bodyPr/>
+          <a:p>
+            <a:endParaRPr lang="en-US"/>
+          </a:p>
+        </p:txBody>
+      </p:sp>
+      <p:sp>
+        <p:nvSpPr>
+          <p:cNvPr id="4" name="Slide Number Placeholder 3"/>
+          <p:cNvSpPr>
+            <a:spLocks noGrp="1"/>
+          </p:cNvSpPr>
+          <p:nvPr>
+            <p:ph type="sldNum" sz="quarter" idx="5"/>
+          </p:nvPr>
+        </p:nvSpPr>
+        <p:spPr/>
+        <p:txBody>
+          <a:bodyPr/>
+          <a:p>
+            <a:fld id="{85D0DACE-38E0-42D2-9336-2B707D34BC6D}" type="slidenum">
+              <a:rPr lang="zh-CN" altLang="en-US" smtClean="0"/>
+            </a:fld>
+            <a:endParaRPr lang="zh-CN" altLang="en-US"/>
+          </a:p>
+        </p:txBody>
+      </p:sp>
+      <p:sp>
+        <p:nvSpPr>
+          <p:cNvPr id="5" name="Header Placeholder 4"/>
+          <p:cNvSpPr>
+            <a:spLocks noGrp="1"/>
+          </p:cNvSpPr>
+          <p:nvPr>
+            <p:ph type="hdr" sz="quarter"/>
+          </p:nvPr>
+        </p:nvSpPr>
+        <p:spPr/>
+        <p:txBody>
+          <a:bodyPr/>
+          <a:p>
+            <a:endParaRPr lang="zh-CN" altLang="en-US"/>
+          </a:p>
+        </p:txBody>
+      </p:sp>
+    </p:spTree>
+  </p:cSld>
+  <p:clrMapOvr>
+    <a:masterClrMapping/>
+  </p:clrMapOvr>
+</p:notes>
+</file>
+
+<file path=ppt/notesSlides/notesSlide5.xml><?xml version="1.0" encoding="utf-8"?>
+<p:notes xmlns:a="http://schemas.openxmlformats.org/drawingml/2006/main" xmlns:r="http://schemas.openxmlformats.org/officeDocument/2006/relationships" xmlns:p="http://schemas.openxmlformats.org/presentationml/2006/main">
+  <p:cSld>
+    <p:spTree>
+      <p:nvGrpSpPr>
+        <p:cNvPr id="1" name=""/>
+        <p:cNvGrpSpPr/>
+        <p:nvPr/>
+      </p:nvGrpSpPr>
+      <p:grpSpPr/>
+      <p:sp>
+        <p:nvSpPr>
+          <p:cNvPr id="2" name="Slide Image Placeholder 1"/>
+          <p:cNvSpPr/>
+          <p:nvPr>
+            <p:ph type="sldImg" idx="2"/>
+          </p:nvPr>
+        </p:nvSpPr>
+        <p:spPr/>
+      </p:sp>
+      <p:sp>
+        <p:nvSpPr>
+          <p:cNvPr id="3" name="Text Placeholder 2"/>
+          <p:cNvSpPr/>
+          <p:nvPr>
+            <p:ph type="body" idx="3"/>
+          </p:nvPr>
+        </p:nvSpPr>
+        <p:spPr/>
+        <p:txBody>
+          <a:bodyPr/>
+          <a:p>
+            <a:endParaRPr lang="en-US"/>
+          </a:p>
+        </p:txBody>
+      </p:sp>
+      <p:sp>
+        <p:nvSpPr>
+          <p:cNvPr id="4" name="Slide Number Placeholder 3"/>
+          <p:cNvSpPr>
+            <a:spLocks noGrp="1"/>
+          </p:cNvSpPr>
+          <p:nvPr>
+            <p:ph type="sldNum" sz="quarter" idx="5"/>
+          </p:nvPr>
+        </p:nvSpPr>
+        <p:spPr/>
+        <p:txBody>
+          <a:bodyPr/>
+          <a:p>
+            <a:fld id="{85D0DACE-38E0-42D2-9336-2B707D34BC6D}" type="slidenum">
+              <a:rPr lang="zh-CN" altLang="en-US" smtClean="0"/>
+            </a:fld>
+            <a:endParaRPr lang="zh-CN" altLang="en-US"/>
+          </a:p>
+        </p:txBody>
+      </p:sp>
+      <p:sp>
+        <p:nvSpPr>
+          <p:cNvPr id="5" name="Header Placeholder 4"/>
+          <p:cNvSpPr>
+            <a:spLocks noGrp="1"/>
+          </p:cNvSpPr>
+          <p:nvPr>
+            <p:ph type="hdr" sz="quarter"/>
+          </p:nvPr>
+        </p:nvSpPr>
+        <p:spPr/>
+        <p:txBody>
+          <a:bodyPr/>
+          <a:p>
+            <a:endParaRPr lang="zh-CN" altLang="en-US"/>
+          </a:p>
+        </p:txBody>
+      </p:sp>
+    </p:spTree>
+  </p:cSld>
+  <p:clrMapOvr>
+    <a:masterClrMapping/>
+  </p:clrMapOvr>
+</p:notes>
+</file>
+
+<file path=ppt/notesSlides/notesSlide6.xml><?xml version="1.0" encoding="utf-8"?>
+<p:notes xmlns:a="http://schemas.openxmlformats.org/drawingml/2006/main" xmlns:r="http://schemas.openxmlformats.org/officeDocument/2006/relationships" xmlns:p="http://schemas.openxmlformats.org/presentationml/2006/main">
+  <p:cSld>
+    <p:spTree>
+      <p:nvGrpSpPr>
+        <p:cNvPr id="1" name=""/>
+        <p:cNvGrpSpPr/>
+        <p:nvPr/>
+      </p:nvGrpSpPr>
+      <p:grpSpPr/>
+      <p:sp>
+        <p:nvSpPr>
+          <p:cNvPr id="2" name="Slide Image Placeholder 1"/>
+          <p:cNvSpPr/>
+          <p:nvPr>
+            <p:ph type="sldImg" idx="2"/>
+          </p:nvPr>
+        </p:nvSpPr>
+        <p:spPr/>
+      </p:sp>
+      <p:sp>
+        <p:nvSpPr>
+          <p:cNvPr id="3" name="Text Placeholder 2"/>
+          <p:cNvSpPr/>
+          <p:nvPr>
+            <p:ph type="body" idx="3"/>
+          </p:nvPr>
+        </p:nvSpPr>
+        <p:spPr/>
+        <p:txBody>
+          <a:bodyPr/>
+          <a:p>
+            <a:endParaRPr lang="en-US"/>
+          </a:p>
+        </p:txBody>
+      </p:sp>
+      <p:sp>
+        <p:nvSpPr>
+          <p:cNvPr id="4" name="Slide Number Placeholder 3"/>
+          <p:cNvSpPr>
+            <a:spLocks noGrp="1"/>
+          </p:cNvSpPr>
+          <p:nvPr>
+            <p:ph type="sldNum" sz="quarter" idx="5"/>
+          </p:nvPr>
+        </p:nvSpPr>
+        <p:spPr/>
+        <p:txBody>
+          <a:bodyPr/>
+          <a:p>
+            <a:fld id="{85D0DACE-38E0-42D2-9336-2B707D34BC6D}" type="slidenum">
+              <a:rPr lang="zh-CN" altLang="en-US" smtClean="0"/>
+            </a:fld>
+            <a:endParaRPr lang="zh-CN" altLang="en-US"/>
+          </a:p>
+        </p:txBody>
+      </p:sp>
+      <p:sp>
+        <p:nvSpPr>
+          <p:cNvPr id="5" name="Header Placeholder 4"/>
+          <p:cNvSpPr>
+            <a:spLocks noGrp="1"/>
+          </p:cNvSpPr>
+          <p:nvPr>
+            <p:ph type="hdr" sz="quarter"/>
+          </p:nvPr>
+        </p:nvSpPr>
+        <p:spPr/>
+        <p:txBody>
+          <a:bodyPr/>
+          <a:p>
+            <a:endParaRPr lang="zh-CN" altLang="en-US"/>
+          </a:p>
+        </p:txBody>
+      </p:sp>
+    </p:spTree>
+  </p:cSld>
+  <p:clrMapOvr>
+    <a:masterClrMapping/>
+  </p:clrMapOvr>
+</p:notes>
+</file>
+
+<file path=ppt/notesSlides/notesSlide7.xml><?xml version="1.0" encoding="utf-8"?>
+<p:notes xmlns:a="http://schemas.openxmlformats.org/drawingml/2006/main" xmlns:r="http://schemas.openxmlformats.org/officeDocument/2006/relationships" xmlns:p="http://schemas.openxmlformats.org/presentationml/2006/main">
+  <p:cSld>
+    <p:spTree>
+      <p:nvGrpSpPr>
+        <p:cNvPr id="1" name=""/>
+        <p:cNvGrpSpPr/>
+        <p:nvPr/>
+      </p:nvGrpSpPr>
+      <p:grpSpPr/>
+      <p:sp>
+        <p:nvSpPr>
+          <p:cNvPr id="2" name="Slide Image Placeholder 1"/>
+          <p:cNvSpPr/>
+          <p:nvPr>
+            <p:ph type="sldImg" idx="2"/>
+          </p:nvPr>
+        </p:nvSpPr>
+        <p:spPr/>
+      </p:sp>
+      <p:sp>
+        <p:nvSpPr>
+          <p:cNvPr id="3" name="Text Placeholder 2"/>
+          <p:cNvSpPr/>
+          <p:nvPr>
+            <p:ph type="body" idx="3"/>
+          </p:nvPr>
+        </p:nvSpPr>
+        <p:spPr/>
+        <p:txBody>
+          <a:bodyPr/>
+          <a:p>
+            <a:endParaRPr lang="en-US"/>
+          </a:p>
+        </p:txBody>
+      </p:sp>
+      <p:sp>
+        <p:nvSpPr>
+          <p:cNvPr id="4" name="Slide Number Placeholder 3"/>
+          <p:cNvSpPr>
+            <a:spLocks noGrp="1"/>
+          </p:cNvSpPr>
+          <p:nvPr>
+            <p:ph type="sldNum" sz="quarter" idx="5"/>
+          </p:nvPr>
+        </p:nvSpPr>
+        <p:spPr/>
+        <p:txBody>
+          <a:bodyPr/>
+          <a:p>
+            <a:fld id="{85D0DACE-38E0-42D2-9336-2B707D34BC6D}" type="slidenum">
+              <a:rPr lang="zh-CN" altLang="en-US" smtClean="0"/>
+            </a:fld>
+            <a:endParaRPr lang="zh-CN" altLang="en-US"/>
+          </a:p>
+        </p:txBody>
+      </p:sp>
+      <p:sp>
+        <p:nvSpPr>
+          <p:cNvPr id="5" name="Header Placeholder 4"/>
+          <p:cNvSpPr>
+            <a:spLocks noGrp="1"/>
+          </p:cNvSpPr>
+          <p:nvPr>
+            <p:ph type="hdr" sz="quarter"/>
+          </p:nvPr>
+        </p:nvSpPr>
+        <p:spPr/>
+        <p:txBody>
+          <a:bodyPr/>
+          <a:p>
+            <a:endParaRPr lang="zh-CN" altLang="en-US"/>
+          </a:p>
+        </p:txBody>
+      </p:sp>
+    </p:spTree>
+  </p:cSld>
+  <p:clrMapOvr>
+    <a:masterClrMapping/>
+  </p:clrMapOvr>
+</p:notes>
+</file>
+
+<file path=ppt/notesSlides/notesSlide8.xml><?xml version="1.0" encoding="utf-8"?>
+<p:notes xmlns:a="http://schemas.openxmlformats.org/drawingml/2006/main" xmlns:r="http://schemas.openxmlformats.org/officeDocument/2006/relationships" xmlns:p="http://schemas.openxmlformats.org/presentationml/2006/main">
+  <p:cSld>
+    <p:spTree>
+      <p:nvGrpSpPr>
+        <p:cNvPr id="1" name=""/>
+        <p:cNvGrpSpPr/>
+        <p:nvPr/>
+      </p:nvGrpSpPr>
+      <p:grpSpPr/>
+      <p:sp>
+        <p:nvSpPr>
+          <p:cNvPr id="2" name="Slide Image Placeholder 1"/>
+          <p:cNvSpPr/>
+          <p:nvPr>
+            <p:ph type="sldImg" idx="2"/>
+          </p:nvPr>
+        </p:nvSpPr>
+        <p:spPr/>
+      </p:sp>
+      <p:sp>
+        <p:nvSpPr>
+          <p:cNvPr id="3" name="Text Placeholder 2"/>
+          <p:cNvSpPr/>
+          <p:nvPr>
+            <p:ph type="body" idx="3"/>
+          </p:nvPr>
+        </p:nvSpPr>
+        <p:spPr/>
+        <p:txBody>
+          <a:bodyPr/>
+          <a:p>
+            <a:endParaRPr lang="en-US"/>
+          </a:p>
+        </p:txBody>
+      </p:sp>
+      <p:sp>
+        <p:nvSpPr>
+          <p:cNvPr id="4" name="Slide Number Placeholder 3"/>
+          <p:cNvSpPr>
+            <a:spLocks noGrp="1"/>
+          </p:cNvSpPr>
+          <p:nvPr>
+            <p:ph type="sldNum" sz="quarter" idx="5"/>
+          </p:nvPr>
+        </p:nvSpPr>
+        <p:spPr/>
+        <p:txBody>
+          <a:bodyPr/>
+          <a:p>
+            <a:fld id="{85D0DACE-38E0-42D2-9336-2B707D34BC6D}" type="slidenum">
+              <a:rPr lang="zh-CN" altLang="en-US" smtClean="0"/>
+            </a:fld>
+            <a:endParaRPr lang="zh-CN" altLang="en-US"/>
+          </a:p>
+        </p:txBody>
+      </p:sp>
+      <p:sp>
+        <p:nvSpPr>
+          <p:cNvPr id="5" name="Header Placeholder 4"/>
+          <p:cNvSpPr>
+            <a:spLocks noGrp="1"/>
+          </p:cNvSpPr>
+          <p:nvPr>
+            <p:ph type="hdr" sz="quarter"/>
+          </p:nvPr>
+        </p:nvSpPr>
+        <p:spPr/>
+        <p:txBody>
+          <a:bodyPr/>
+          <a:p>
+            <a:endParaRPr lang="zh-CN" altLang="en-US"/>
+          </a:p>
+        </p:txBody>
+      </p:sp>
+    </p:spTree>
+  </p:cSld>
+  <p:clrMapOvr>
+    <a:masterClrMapping/>
+  </p:clrMapOvr>
+</p:notes>
+</file>
+
+<file path=ppt/notesSlides/notesSlide9.xml><?xml version="1.0" encoding="utf-8"?>
+<p:notes xmlns:a="http://schemas.openxmlformats.org/drawingml/2006/main" xmlns:r="http://schemas.openxmlformats.org/officeDocument/2006/relationships" xmlns:p="http://schemas.openxmlformats.org/presentationml/2006/main">
+  <p:cSld>
+    <p:spTree>
+      <p:nvGrpSpPr>
+        <p:cNvPr id="1" name=""/>
+        <p:cNvGrpSpPr/>
+        <p:nvPr/>
+      </p:nvGrpSpPr>
+      <p:grpSpPr/>
+      <p:sp>
+        <p:nvSpPr>
+          <p:cNvPr id="2" name="Slide Image Placeholder 1"/>
+          <p:cNvSpPr/>
+          <p:nvPr>
+            <p:ph type="sldImg" idx="2"/>
+          </p:nvPr>
+        </p:nvSpPr>
+        <p:spPr/>
+      </p:sp>
+      <p:sp>
+        <p:nvSpPr>
+          <p:cNvPr id="3" name="Text Placeholder 2"/>
+          <p:cNvSpPr/>
+          <p:nvPr>
+            <p:ph type="body" idx="3"/>
+          </p:nvPr>
+        </p:nvSpPr>
+        <p:spPr/>
+        <p:txBody>
+          <a:bodyPr/>
+          <a:p>
+            <a:endParaRPr lang="en-US"/>
+          </a:p>
+        </p:txBody>
+      </p:sp>
+      <p:sp>
+        <p:nvSpPr>
+          <p:cNvPr id="4" name="Slide Number Placeholder 3"/>
+          <p:cNvSpPr>
+            <a:spLocks noGrp="1"/>
+          </p:cNvSpPr>
+          <p:nvPr>
+            <p:ph type="sldNum" sz="quarter" idx="5"/>
+          </p:nvPr>
+        </p:nvSpPr>
+        <p:spPr/>
+        <p:txBody>
+          <a:bodyPr/>
+          <a:p>
+            <a:fld id="{85D0DACE-38E0-42D2-9336-2B707D34BC6D}" type="slidenum">
+              <a:rPr lang="zh-CN" altLang="en-US" smtClean="0"/>
+            </a:fld>
+            <a:endParaRPr lang="zh-CN" altLang="en-US"/>
+          </a:p>
+        </p:txBody>
+      </p:sp>
+      <p:sp>
+        <p:nvSpPr>
+          <p:cNvPr id="5" name="Header Placeholder 4"/>
+          <p:cNvSpPr>
+            <a:spLocks noGrp="1"/>
+          </p:cNvSpPr>
+          <p:nvPr>
+            <p:ph type="hdr" sz="quarter"/>
+          </p:nvPr>
+        </p:nvSpPr>
+        <p:spPr/>
+        <p:txBody>
+          <a:bodyPr/>
+          <a:p>
+            <a:endParaRPr lang="zh-CN" altLang="en-US"/>
+          </a:p>
+        </p:txBody>
+      </p:sp>
+    </p:spTree>
+  </p:cSld>
+  <p:clrMapOvr>
+    <a:masterClrMapping/>
+  </p:clrMapOvr>
+</p:notes>
 </file>
 
 <file path=ppt/slideLayouts/slideLayout1.xml><?xml version="1.0" encoding="utf-8"?>
@@ -2887,7 +4306,7 @@
   <p:clrMapOvr>
     <a:masterClrMapping/>
   </p:clrMapOvr>
-  <p:hf sldNum="0" hdr="0" ftr="0" dt="0"/>
+  <p:hf hdr="0" ftr="0" dt="0"/>
 </p:sldLayout>
 </file>
 
@@ -4994,7 +6413,7 @@
   <p:clrMapOvr>
     <a:masterClrMapping/>
   </p:clrMapOvr>
-  <p:hf sldNum="0" hdr="0" ftr="0" dt="0"/>
+  <p:hf hdr="0" ftr="0" dt="0"/>
 </p:sldLayout>
 </file>
 
@@ -5028,7 +6447,7 @@
   <p:clrMapOvr>
     <a:masterClrMapping/>
   </p:clrMapOvr>
-  <p:hf sldNum="0" hdr="0" ftr="0" dt="0"/>
+  <p:hf hdr="0" ftr="0" dt="0"/>
 </p:sldLayout>
 </file>
 
@@ -8360,7 +9779,7 @@
   <p:clrMapOvr>
     <a:masterClrMapping/>
   </p:clrMapOvr>
-  <p:hf sldNum="0" hdr="0" ftr="0" dt="0"/>
+  <p:hf hdr="0" ftr="0" dt="0"/>
 </p:sldLayout>
 </file>
 
@@ -9986,7 +11405,7 @@
   <p:clrMapOvr>
     <a:masterClrMapping/>
   </p:clrMapOvr>
-  <p:hf sldNum="0" hdr="0" ftr="0" dt="0"/>
+  <p:hf hdr="0" ftr="0" dt="0"/>
 </p:sldLayout>
 </file>
 
@@ -11570,7 +12989,7 @@
   <p:clrMapOvr>
     <a:masterClrMapping/>
   </p:clrMapOvr>
-  <p:hf sldNum="0" hdr="0" ftr="0" dt="0"/>
+  <p:hf hdr="0" ftr="0" dt="0"/>
 </p:sldLayout>
 </file>
 
@@ -13406,7 +14825,7 @@
   <p:clrMapOvr>
     <a:masterClrMapping/>
   </p:clrMapOvr>
-  <p:hf sldNum="0" hdr="0" ftr="0" dt="0"/>
+  <p:hf hdr="0" ftr="0" dt="0"/>
 </p:sldLayout>
 </file>
 
@@ -14973,7 +16392,7 @@
   <p:clrMapOvr>
     <a:masterClrMapping/>
   </p:clrMapOvr>
-  <p:hf sldNum="0" hdr="0" ftr="0" dt="0"/>
+  <p:hf hdr="0" ftr="0" dt="0"/>
 </p:sldLayout>
 </file>
 
@@ -15276,7 +16695,7 @@
   <p:clrMapOvr>
     <a:masterClrMapping/>
   </p:clrMapOvr>
-  <p:hf sldNum="0" hdr="0" ftr="0" dt="0"/>
+  <p:hf hdr="0" ftr="0" dt="0"/>
 </p:sldLayout>
 </file>
 
@@ -16106,7 +17525,7 @@
   <p:clrMapOvr>
     <a:masterClrMapping/>
   </p:clrMapOvr>
-  <p:hf sldNum="0" hdr="0" ftr="0" dt="0"/>
+  <p:hf hdr="0" ftr="0" dt="0"/>
 </p:sldLayout>
 </file>
 
@@ -17950,7 +19369,7 @@
   <p:clrMapOvr>
     <a:masterClrMapping/>
   </p:clrMapOvr>
-  <p:hf sldNum="0" hdr="0" ftr="0" dt="0"/>
+  <p:hf hdr="0" ftr="0" dt="0"/>
 </p:sldLayout>
 </file>
 
@@ -19918,7 +21337,7 @@
   <p:clrMapOvr>
     <a:masterClrMapping/>
   </p:clrMapOvr>
-  <p:hf sldNum="0" hdr="0" ftr="0" dt="0"/>
+  <p:hf hdr="0" ftr="0" dt="0"/>
 </p:sldLayout>
 </file>
 
@@ -21698,7 +23117,7 @@
   <p:clrMapOvr>
     <a:masterClrMapping/>
   </p:clrMapOvr>
-  <p:hf sldNum="0" hdr="0" ftr="0" dt="0"/>
+  <p:hf hdr="0" ftr="0" dt="0"/>
 </p:sldLayout>
 </file>
 
@@ -23223,7 +24642,7 @@
   <p:clrMapOvr>
     <a:masterClrMapping/>
   </p:clrMapOvr>
-  <p:hf sldNum="0" hdr="0" ftr="0" dt="0"/>
+  <p:hf hdr="0" ftr="0" dt="0"/>
 </p:sldLayout>
 </file>
 
@@ -25644,7 +27063,7 @@
   <p:clrMapOvr>
     <a:masterClrMapping/>
   </p:clrMapOvr>
-  <p:hf sldNum="0" hdr="0" ftr="0" dt="0"/>
+  <p:hf hdr="0" ftr="0" dt="0"/>
 </p:sldLayout>
 </file>
 
@@ -28946,7 +30365,7 @@
   <p:clrMapOvr>
     <a:masterClrMapping/>
   </p:clrMapOvr>
-  <p:hf sldNum="0" hdr="0" ftr="0" dt="0"/>
+  <p:hf hdr="0" ftr="0" dt="0"/>
 </p:sldLayout>
 </file>
 
@@ -32865,7 +34284,7 @@
   <p:clrMapOvr>
     <a:masterClrMapping/>
   </p:clrMapOvr>
-  <p:hf sldNum="0" hdr="0" ftr="0" dt="0"/>
+  <p:hf hdr="0" ftr="0" dt="0"/>
 </p:sldLayout>
 </file>
 
@@ -35166,7 +36585,7 @@
   <p:clrMapOvr>
     <a:masterClrMapping/>
   </p:clrMapOvr>
-  <p:hf sldNum="0" hdr="0" ftr="0" dt="0"/>
+  <p:hf hdr="0" ftr="0" dt="0"/>
 </p:sldLayout>
 </file>
 
@@ -36486,7 +37905,7 @@
   <p:clrMapOvr>
     <a:masterClrMapping/>
   </p:clrMapOvr>
-  <p:hf sldNum="0" hdr="0" ftr="0" dt="0"/>
+  <p:hf hdr="0" ftr="0" dt="0"/>
 </p:sldLayout>
 </file>
 
@@ -37989,7 +39408,7 @@
   <p:clrMapOvr>
     <a:masterClrMapping/>
   </p:clrMapOvr>
-  <p:hf sldNum="0" hdr="0" ftr="0" dt="0"/>
+  <p:hf hdr="0" ftr="0" dt="0"/>
 </p:sldLayout>
 </file>
 
@@ -39602,7 +41021,7 @@
   <p:clrMapOvr>
     <a:masterClrMapping/>
   </p:clrMapOvr>
-  <p:hf sldNum="0" hdr="0" ftr="0" dt="0"/>
+  <p:hf hdr="0" ftr="0" dt="0"/>
 </p:sldLayout>
 </file>
 
@@ -42165,7 +43584,7 @@
   <p:clrMapOvr>
     <a:masterClrMapping/>
   </p:clrMapOvr>
-  <p:hf sldNum="0" hdr="0" ftr="0" dt="0"/>
+  <p:hf hdr="0" ftr="0" dt="0"/>
 </p:sldLayout>
 </file>
 
@@ -44044,7 +45463,7 @@
   <p:clrMapOvr>
     <a:masterClrMapping/>
   </p:clrMapOvr>
-  <p:hf sldNum="0" hdr="0" ftr="0" dt="0"/>
+  <p:hf hdr="0" ftr="0" dt="0"/>
 </p:sldLayout>
 </file>
 
@@ -45256,7 +46675,7 @@
   <p:clrMapOvr>
     <a:masterClrMapping/>
   </p:clrMapOvr>
-  <p:hf sldNum="0" hdr="0" ftr="0" dt="0"/>
+  <p:hf hdr="0" ftr="0" dt="0"/>
 </p:sldLayout>
 </file>
 
@@ -45458,7 +46877,7 @@
   <p:clrMapOvr>
     <a:masterClrMapping/>
   </p:clrMapOvr>
-  <p:hf sldNum="0" hdr="0" ftr="0" dt="0"/>
+  <p:hf hdr="0" ftr="0" dt="0"/>
 </p:sldLayout>
 </file>
 
@@ -45809,7 +47228,7 @@
   <p:clrMapOvr>
     <a:masterClrMapping/>
   </p:clrMapOvr>
-  <p:hf sldNum="0" hdr="0" ftr="0" dt="0"/>
+  <p:hf hdr="0" ftr="0" dt="0"/>
 </p:sldLayout>
 </file>
 
@@ -45985,7 +47404,7 @@
   <p:clrMapOvr>
     <a:masterClrMapping/>
   </p:clrMapOvr>
-  <p:hf sldNum="0" hdr="0" ftr="0" dt="0"/>
+  <p:hf hdr="0" ftr="0" dt="0"/>
 </p:sldLayout>
 </file>
 
@@ -46547,7 +47966,7 @@
     <p:sldLayoutId id="2147483674" r:id="rId26"/>
     <p:sldLayoutId id="2147483675" r:id="rId27"/>
   </p:sldLayoutIdLst>
-  <p:hf sldNum="0" hdr="0" ftr="0" dt="0"/>
+  <p:hf hdr="0" ftr="0" dt="0"/>
   <p:txStyles>
     <p:titleStyle>
       <a:defPPr marR="0" lvl="0" algn="l" rtl="0">
@@ -47377,30 +48796,129 @@
             <p:ph type="ctrTitle"/>
           </p:nvPr>
         </p:nvSpPr>
-        <p:spPr/>
+        <p:spPr>
+          <a:xfrm>
+            <a:off x="3048000" y="1282065"/>
+            <a:ext cx="6096000" cy="678815"/>
+          </a:xfrm>
+        </p:spPr>
         <p:txBody>
           <a:bodyPr/>
           <a:p>
-            <a:endParaRPr lang="en-US"/>
+            <a:r>
+              <a:rPr lang="en-US" sz="2000"/>
+              <a:t>Document amb imatge de fons</a:t>
+            </a:r>
+            <a:endParaRPr lang="en-US" sz="2000"/>
           </a:p>
         </p:txBody>
       </p:sp>
-      <p:sp>
-        <p:nvSpPr>
-          <p:cNvPr id="21" name="Subtitle 20"/>
-          <p:cNvSpPr/>
-          <p:nvPr>
-            <p:ph type="subTitle" idx="1"/>
-          </p:nvPr>
-        </p:nvSpPr>
-        <p:spPr/>
-        <p:txBody>
-          <a:bodyPr/>
-          <a:p>
-            <a:endParaRPr lang="en-US"/>
-          </a:p>
-        </p:txBody>
-      </p:sp>
+      <p:graphicFrame>
+        <p:nvGraphicFramePr>
+          <p:cNvPr id="2" name="Object 1">
+            <a:hlinkClick r:id="" action="ppaction://ole?verb="/>
+          </p:cNvPr>
+          <p:cNvGraphicFramePr>
+            <a:graphicFrameLocks noChangeAspect="1"/>
+          </p:cNvGraphicFramePr>
+          <p:nvPr/>
+        </p:nvGraphicFramePr>
+        <p:xfrm>
+          <a:off x="3457258" y="3352483"/>
+          <a:ext cx="5276850" cy="152400"/>
+        </p:xfrm>
+        <a:graphic>
+          <a:graphicData uri="http://schemas.openxmlformats.org/presentationml/2006/ole">
+            <mc:AlternateContent xmlns:mc="http://schemas.openxmlformats.org/markup-compatibility/2006">
+              <mc:Choice xmlns:v="urn:schemas-microsoft-com:vml" Requires="v">
+                <p:oleObj spid="_x0000_s1025" name="" r:id="rId1" imgW="5276850" imgH="152400" progId="Word.Document.8">
+                  <p:embed/>
+                </p:oleObj>
+              </mc:Choice>
+              <mc:Fallback>
+                <p:oleObj name="" r:id="rId1" imgW="5276850" imgH="152400" progId="Word.Document.8">
+                  <p:embed/>
+                  <p:pic>
+                    <p:nvPicPr>
+                      <p:cNvPr id="0" name="Picture 1024"/>
+                      <p:cNvPicPr/>
+                      <p:nvPr/>
+                    </p:nvPicPr>
+                    <p:blipFill>
+                      <a:blip r:embed="rId2"/>
+                      <a:stretch>
+                        <a:fillRect/>
+                      </a:stretch>
+                    </p:blipFill>
+                    <p:spPr>
+                      <a:xfrm>
+                        <a:off x="3457258" y="3352483"/>
+                        <a:ext cx="5276850" cy="152400"/>
+                      </a:xfrm>
+                      <a:prstGeom prst="rect">
+                        <a:avLst/>
+                      </a:prstGeom>
+                    </p:spPr>
+                  </p:pic>
+                </p:oleObj>
+              </mc:Fallback>
+            </mc:AlternateContent>
+          </a:graphicData>
+        </a:graphic>
+      </p:graphicFrame>
+      <p:graphicFrame>
+        <p:nvGraphicFramePr>
+          <p:cNvPr id="3" name="Object 2">
+            <a:hlinkClick r:id="" action="ppaction://ole?verb="/>
+          </p:cNvPr>
+          <p:cNvGraphicFramePr>
+            <a:graphicFrameLocks noChangeAspect="1"/>
+          </p:cNvGraphicFramePr>
+          <p:nvPr/>
+        </p:nvGraphicFramePr>
+        <p:xfrm>
+          <a:off x="5090795" y="2423160"/>
+          <a:ext cx="2011045" cy="2011045"/>
+        </p:xfrm>
+        <a:graphic>
+          <a:graphicData uri="http://schemas.openxmlformats.org/presentationml/2006/ole">
+            <mc:AlternateContent xmlns:mc="http://schemas.openxmlformats.org/markup-compatibility/2006">
+              <mc:Choice xmlns:v="urn:schemas-microsoft-com:vml" Requires="v">
+                <p:oleObj spid="_x0000_s1026" name="" r:id="rId3" imgW="1143000" imgH="1143000" progId="Package">
+                  <p:embed/>
+                </p:oleObj>
+              </mc:Choice>
+              <mc:Fallback>
+                <p:oleObj name="" r:id="rId3" imgW="1143000" imgH="1143000" progId="Package">
+                  <p:embed/>
+                  <p:pic>
+                    <p:nvPicPr>
+                      <p:cNvPr id="0" name="Picture 1025"/>
+                      <p:cNvPicPr/>
+                      <p:nvPr/>
+                    </p:nvPicPr>
+                    <p:blipFill>
+                      <a:blip r:embed="rId4"/>
+                      <a:stretch>
+                        <a:fillRect/>
+                      </a:stretch>
+                    </p:blipFill>
+                    <p:spPr>
+                      <a:xfrm>
+                        <a:off x="5090795" y="2423160"/>
+                        <a:ext cx="2011045" cy="2011045"/>
+                      </a:xfrm>
+                      <a:prstGeom prst="rect">
+                        <a:avLst/>
+                      </a:prstGeom>
+                    </p:spPr>
+                  </p:pic>
+                </p:oleObj>
+              </mc:Fallback>
+            </mc:AlternateContent>
+          </a:graphicData>
+        </a:graphic>
+      </p:graphicFrame>
     </p:spTree>
   </p:cSld>
   <p:clrMapOvr>
@@ -47422,6 +48940,1776 @@
 </file>
 
 <file path=ppt/slides/slide11.xml><?xml version="1.0" encoding="utf-8"?>
+<p:sld xmlns:a="http://schemas.openxmlformats.org/drawingml/2006/main" xmlns:r="http://schemas.openxmlformats.org/officeDocument/2006/relationships" xmlns:p="http://schemas.openxmlformats.org/presentationml/2006/main">
+  <p:cSld>
+    <p:bg>
+      <p:bgPr>
+        <a:solidFill>
+          <a:schemeClr val="accent4">
+            <a:lumMod val="20000"/>
+            <a:lumOff val="80000"/>
+          </a:schemeClr>
+        </a:solidFill>
+        <a:effectLst/>
+      </p:bgPr>
+    </p:bg>
+    <p:spTree>
+      <p:nvGrpSpPr>
+        <p:cNvPr id="1" name=""/>
+        <p:cNvGrpSpPr/>
+        <p:nvPr/>
+      </p:nvGrpSpPr>
+      <p:grpSpPr>
+        <a:xfrm>
+          <a:off x="0" y="0"/>
+          <a:ext cx="0" cy="0"/>
+          <a:chOff x="0" y="0"/>
+          <a:chExt cx="0" cy="0"/>
+        </a:xfrm>
+      </p:grpSpPr>
+      <p:sp>
+        <p:nvSpPr>
+          <p:cNvPr id="20" name="Title 19"/>
+          <p:cNvSpPr/>
+          <p:nvPr>
+            <p:ph type="ctrTitle"/>
+          </p:nvPr>
+        </p:nvSpPr>
+        <p:spPr>
+          <a:xfrm>
+            <a:off x="3048000" y="485140"/>
+            <a:ext cx="6096000" cy="678815"/>
+          </a:xfrm>
+        </p:spPr>
+        <p:txBody>
+          <a:bodyPr>
+            <a:scene3d>
+              <a:camera prst="orthographicFront"/>
+              <a:lightRig rig="threePt" dir="t"/>
+            </a:scene3d>
+            <a:sp3d extrusionH="57150">
+              <a:extrusionClr>
+                <a:schemeClr val="bg1">
+                  <a:lumMod val="95000"/>
+                </a:schemeClr>
+              </a:extrusionClr>
+            </a:sp3d>
+          </a:bodyPr>
+          <a:p>
+            <a:r>
+              <a:rPr lang="en-US" sz="3600">
+                <a:ln w="12700" cmpd="sng">
+                  <a:solidFill>
+                    <a:schemeClr val="accent4"/>
+                  </a:solidFill>
+                  <a:prstDash val="solid"/>
+                </a:ln>
+                <a:gradFill>
+                  <a:gsLst>
+                    <a:gs pos="0">
+                      <a:schemeClr val="accent4"/>
+                    </a:gs>
+                    <a:gs pos="4000">
+                      <a:schemeClr val="accent4">
+                        <a:lumMod val="60000"/>
+                        <a:lumOff val="40000"/>
+                      </a:schemeClr>
+                    </a:gs>
+                    <a:gs pos="87000">
+                      <a:schemeClr val="accent4">
+                        <a:lumMod val="20000"/>
+                        <a:lumOff val="80000"/>
+                      </a:schemeClr>
+                    </a:gs>
+                  </a:gsLst>
+                  <a:lin ang="5400000"/>
+                </a:gradFill>
+                <a:effectLst>
+                  <a:glow rad="101600">
+                    <a:schemeClr val="tx2">
+                      <a:lumMod val="90000"/>
+                      <a:alpha val="40000"/>
+                    </a:schemeClr>
+                  </a:glow>
+                  <a:reflection blurRad="6350" stA="55000" endA="300" endPos="45500" dir="5400000" sy="-100000" algn="bl" rotWithShape="0"/>
+                </a:effectLst>
+                <a:latin typeface="Gentium Basic" panose="02000503060000020004" charset="0"/>
+                <a:cs typeface="Gentium Basic" panose="02000503060000020004" charset="0"/>
+              </a:rPr>
+              <a:t>FACTURA</a:t>
+            </a:r>
+            <a:endParaRPr lang="en-US" sz="3600">
+              <a:ln w="12700" cmpd="sng">
+                <a:solidFill>
+                  <a:schemeClr val="accent4"/>
+                </a:solidFill>
+                <a:prstDash val="solid"/>
+              </a:ln>
+              <a:gradFill>
+                <a:gsLst>
+                  <a:gs pos="0">
+                    <a:schemeClr val="accent4"/>
+                  </a:gs>
+                  <a:gs pos="4000">
+                    <a:schemeClr val="accent4">
+                      <a:lumMod val="60000"/>
+                      <a:lumOff val="40000"/>
+                    </a:schemeClr>
+                  </a:gs>
+                  <a:gs pos="87000">
+                    <a:schemeClr val="accent4">
+                      <a:lumMod val="20000"/>
+                      <a:lumOff val="80000"/>
+                    </a:schemeClr>
+                  </a:gs>
+                </a:gsLst>
+                <a:lin ang="5400000"/>
+              </a:gradFill>
+              <a:effectLst>
+                <a:glow rad="101600">
+                  <a:schemeClr val="tx2">
+                    <a:lumMod val="90000"/>
+                    <a:alpha val="40000"/>
+                  </a:schemeClr>
+                </a:glow>
+                <a:reflection blurRad="6350" stA="55000" endA="300" endPos="45500" dir="5400000" sy="-100000" algn="bl" rotWithShape="0"/>
+              </a:effectLst>
+              <a:latin typeface="Gentium Basic" panose="02000503060000020004" charset="0"/>
+              <a:cs typeface="Gentium Basic" panose="02000503060000020004" charset="0"/>
+            </a:endParaRPr>
+          </a:p>
+        </p:txBody>
+      </p:sp>
+      <p:graphicFrame>
+        <p:nvGraphicFramePr>
+          <p:cNvPr id="2" name="Object 1">
+            <a:hlinkClick r:id="" action="ppaction://ole?verb="/>
+          </p:cNvPr>
+          <p:cNvGraphicFramePr>
+            <a:graphicFrameLocks noChangeAspect="1"/>
+          </p:cNvGraphicFramePr>
+          <p:nvPr/>
+        </p:nvGraphicFramePr>
+        <p:xfrm>
+          <a:off x="3457258" y="3352483"/>
+          <a:ext cx="5276850" cy="152400"/>
+        </p:xfrm>
+        <a:graphic>
+          <a:graphicData uri="http://schemas.openxmlformats.org/presentationml/2006/ole">
+            <mc:AlternateContent xmlns:mc="http://schemas.openxmlformats.org/markup-compatibility/2006">
+              <mc:Choice xmlns:v="urn:schemas-microsoft-com:vml" Requires="v">
+                <p:oleObj spid="_x0000_s1025" name="" r:id="rId1" imgW="5276850" imgH="152400" progId="Word.Document.8">
+                  <p:embed/>
+                </p:oleObj>
+              </mc:Choice>
+              <mc:Fallback>
+                <p:oleObj name="" r:id="rId1" imgW="5276850" imgH="152400" progId="Word.Document.8">
+                  <p:embed/>
+                  <p:pic>
+                    <p:nvPicPr>
+                      <p:cNvPr id="0" name="Picture 1024"/>
+                      <p:cNvPicPr/>
+                      <p:nvPr/>
+                    </p:nvPicPr>
+                    <p:blipFill>
+                      <a:blip r:embed="rId2"/>
+                      <a:stretch>
+                        <a:fillRect/>
+                      </a:stretch>
+                    </p:blipFill>
+                    <p:spPr>
+                      <a:xfrm>
+                        <a:off x="3457258" y="3352483"/>
+                        <a:ext cx="5276850" cy="152400"/>
+                      </a:xfrm>
+                      <a:prstGeom prst="rect">
+                        <a:avLst/>
+                      </a:prstGeom>
+                    </p:spPr>
+                  </p:pic>
+                </p:oleObj>
+              </mc:Fallback>
+            </mc:AlternateContent>
+          </a:graphicData>
+        </a:graphic>
+      </p:graphicFrame>
+      <p:pic>
+        <p:nvPicPr>
+          <p:cNvPr id="6" name="Picture 5"/>
+          <p:cNvPicPr>
+            <a:picLocks noChangeAspect="1"/>
+          </p:cNvPicPr>
+          <p:nvPr/>
+        </p:nvPicPr>
+        <p:blipFill>
+          <a:blip r:embed="rId3"/>
+          <a:stretch>
+            <a:fillRect/>
+          </a:stretch>
+        </p:blipFill>
+        <p:spPr>
+          <a:xfrm>
+            <a:off x="2704465" y="1638935"/>
+            <a:ext cx="6783705" cy="4274185"/>
+          </a:xfrm>
+          <a:prstGeom prst="rect">
+            <a:avLst/>
+          </a:prstGeom>
+        </p:spPr>
+      </p:pic>
+    </p:spTree>
+  </p:cSld>
+  <p:clrMapOvr>
+    <a:masterClrMapping/>
+  </p:clrMapOvr>
+  <mc:AlternateContent xmlns:mc="http://schemas.openxmlformats.org/markup-compatibility/2006" xmlns:p159="http://schemas.microsoft.com/office/powerpoint/2015/09/main">
+    <mc:Choice Requires="p159">
+      <p:transition xmlns:p14="http://schemas.microsoft.com/office/powerpoint/2010/main" spd="slow" p14:dur="2000">
+        <p159:morph option="byObject"/>
+      </p:transition>
+    </mc:Choice>
+    <mc:Fallback>
+      <p:transition spd="slow">
+        <p:fade/>
+      </p:transition>
+    </mc:Fallback>
+  </mc:AlternateContent>
+</p:sld>
+</file>
+
+<file path=ppt/slides/slide12.xml><?xml version="1.0" encoding="utf-8"?>
+<p:sld xmlns:a="http://schemas.openxmlformats.org/drawingml/2006/main" xmlns:r="http://schemas.openxmlformats.org/officeDocument/2006/relationships" xmlns:p="http://schemas.openxmlformats.org/presentationml/2006/main">
+  <p:cSld>
+    <p:bg>
+      <p:bgPr>
+        <a:solidFill>
+          <a:schemeClr val="accent4">
+            <a:lumMod val="20000"/>
+            <a:lumOff val="80000"/>
+          </a:schemeClr>
+        </a:solidFill>
+        <a:effectLst/>
+      </p:bgPr>
+    </p:bg>
+    <p:spTree>
+      <p:nvGrpSpPr>
+        <p:cNvPr id="1" name=""/>
+        <p:cNvGrpSpPr/>
+        <p:nvPr/>
+      </p:nvGrpSpPr>
+      <p:grpSpPr>
+        <a:xfrm>
+          <a:off x="0" y="0"/>
+          <a:ext cx="0" cy="0"/>
+          <a:chOff x="0" y="0"/>
+          <a:chExt cx="0" cy="0"/>
+        </a:xfrm>
+      </p:grpSpPr>
+      <p:sp>
+        <p:nvSpPr>
+          <p:cNvPr id="20" name="Title 19"/>
+          <p:cNvSpPr/>
+          <p:nvPr>
+            <p:ph type="ctrTitle"/>
+          </p:nvPr>
+        </p:nvSpPr>
+        <p:spPr>
+          <a:xfrm>
+            <a:off x="3048000" y="485140"/>
+            <a:ext cx="6096000" cy="678815"/>
+          </a:xfrm>
+        </p:spPr>
+        <p:txBody>
+          <a:bodyPr>
+            <a:scene3d>
+              <a:camera prst="orthographicFront"/>
+              <a:lightRig rig="threePt" dir="t"/>
+            </a:scene3d>
+            <a:sp3d extrusionH="57150">
+              <a:extrusionClr>
+                <a:schemeClr val="bg1">
+                  <a:lumMod val="95000"/>
+                </a:schemeClr>
+              </a:extrusionClr>
+            </a:sp3d>
+          </a:bodyPr>
+          <a:p>
+            <a:r>
+              <a:rPr lang="en-US" sz="3600">
+                <a:ln w="12700" cmpd="sng">
+                  <a:solidFill>
+                    <a:schemeClr val="accent4"/>
+                  </a:solidFill>
+                  <a:prstDash val="solid"/>
+                </a:ln>
+                <a:gradFill>
+                  <a:gsLst>
+                    <a:gs pos="0">
+                      <a:schemeClr val="accent4"/>
+                    </a:gs>
+                    <a:gs pos="4000">
+                      <a:schemeClr val="accent4">
+                        <a:lumMod val="60000"/>
+                        <a:lumOff val="40000"/>
+                      </a:schemeClr>
+                    </a:gs>
+                    <a:gs pos="87000">
+                      <a:schemeClr val="accent4">
+                        <a:lumMod val="20000"/>
+                        <a:lumOff val="80000"/>
+                      </a:schemeClr>
+                    </a:gs>
+                  </a:gsLst>
+                  <a:lin ang="5400000"/>
+                </a:gradFill>
+                <a:effectLst>
+                  <a:glow rad="101600">
+                    <a:schemeClr val="tx2">
+                      <a:lumMod val="90000"/>
+                      <a:alpha val="40000"/>
+                    </a:schemeClr>
+                  </a:glow>
+                  <a:reflection blurRad="6350" stA="55000" endA="300" endPos="45500" dir="5400000" sy="-100000" algn="bl" rotWithShape="0"/>
+                </a:effectLst>
+                <a:latin typeface="Gentium Basic" panose="02000503060000020004" charset="0"/>
+                <a:cs typeface="Gentium Basic" panose="02000503060000020004" charset="0"/>
+              </a:rPr>
+              <a:t>AVATAR</a:t>
+            </a:r>
+            <a:endParaRPr lang="en-US" sz="3600">
+              <a:ln w="12700" cmpd="sng">
+                <a:solidFill>
+                  <a:schemeClr val="accent4"/>
+                </a:solidFill>
+                <a:prstDash val="solid"/>
+              </a:ln>
+              <a:gradFill>
+                <a:gsLst>
+                  <a:gs pos="0">
+                    <a:schemeClr val="accent4"/>
+                  </a:gs>
+                  <a:gs pos="4000">
+                    <a:schemeClr val="accent4">
+                      <a:lumMod val="60000"/>
+                      <a:lumOff val="40000"/>
+                    </a:schemeClr>
+                  </a:gs>
+                  <a:gs pos="87000">
+                    <a:schemeClr val="accent4">
+                      <a:lumMod val="20000"/>
+                      <a:lumOff val="80000"/>
+                    </a:schemeClr>
+                  </a:gs>
+                </a:gsLst>
+                <a:lin ang="5400000"/>
+              </a:gradFill>
+              <a:effectLst>
+                <a:glow rad="101600">
+                  <a:schemeClr val="tx2">
+                    <a:lumMod val="90000"/>
+                    <a:alpha val="40000"/>
+                  </a:schemeClr>
+                </a:glow>
+                <a:reflection blurRad="6350" stA="55000" endA="300" endPos="45500" dir="5400000" sy="-100000" algn="bl" rotWithShape="0"/>
+              </a:effectLst>
+              <a:latin typeface="Gentium Basic" panose="02000503060000020004" charset="0"/>
+              <a:cs typeface="Gentium Basic" panose="02000503060000020004" charset="0"/>
+            </a:endParaRPr>
+          </a:p>
+        </p:txBody>
+      </p:sp>
+      <p:graphicFrame>
+        <p:nvGraphicFramePr>
+          <p:cNvPr id="2" name="Object 1">
+            <a:hlinkClick r:id="" action="ppaction://ole?verb="/>
+          </p:cNvPr>
+          <p:cNvGraphicFramePr>
+            <a:graphicFrameLocks noChangeAspect="1"/>
+          </p:cNvGraphicFramePr>
+          <p:nvPr/>
+        </p:nvGraphicFramePr>
+        <p:xfrm>
+          <a:off x="3457258" y="3352483"/>
+          <a:ext cx="5276850" cy="152400"/>
+        </p:xfrm>
+        <a:graphic>
+          <a:graphicData uri="http://schemas.openxmlformats.org/presentationml/2006/ole">
+            <mc:AlternateContent xmlns:mc="http://schemas.openxmlformats.org/markup-compatibility/2006">
+              <mc:Choice xmlns:v="urn:schemas-microsoft-com:vml" Requires="v">
+                <p:oleObj spid="_x0000_s1025" name="" r:id="rId1" imgW="5276850" imgH="152400" progId="Word.Document.8">
+                  <p:embed/>
+                </p:oleObj>
+              </mc:Choice>
+              <mc:Fallback>
+                <p:oleObj name="" r:id="rId1" imgW="5276850" imgH="152400" progId="Word.Document.8">
+                  <p:embed/>
+                  <p:pic>
+                    <p:nvPicPr>
+                      <p:cNvPr id="0" name="Picture 1024"/>
+                      <p:cNvPicPr/>
+                      <p:nvPr/>
+                    </p:nvPicPr>
+                    <p:blipFill>
+                      <a:blip r:embed="rId2"/>
+                      <a:stretch>
+                        <a:fillRect/>
+                      </a:stretch>
+                    </p:blipFill>
+                    <p:spPr>
+                      <a:xfrm>
+                        <a:off x="3457258" y="3352483"/>
+                        <a:ext cx="5276850" cy="152400"/>
+                      </a:xfrm>
+                      <a:prstGeom prst="rect">
+                        <a:avLst/>
+                      </a:prstGeom>
+                    </p:spPr>
+                  </p:pic>
+                </p:oleObj>
+              </mc:Fallback>
+            </mc:AlternateContent>
+          </a:graphicData>
+        </a:graphic>
+      </p:graphicFrame>
+      <p:pic>
+        <p:nvPicPr>
+          <p:cNvPr id="3" name="Picture 2" descr="Sebas.png.png"/>
+          <p:cNvPicPr>
+            <a:picLocks noChangeAspect="1"/>
+          </p:cNvPicPr>
+          <p:nvPr/>
+        </p:nvPicPr>
+        <p:blipFill>
+          <a:blip r:embed="rId3"/>
+          <a:stretch>
+            <a:fillRect/>
+          </a:stretch>
+        </p:blipFill>
+        <p:spPr>
+          <a:xfrm>
+            <a:off x="4276725" y="1840230"/>
+            <a:ext cx="3638550" cy="3638550"/>
+          </a:xfrm>
+          <a:prstGeom prst="rect">
+            <a:avLst/>
+          </a:prstGeom>
+        </p:spPr>
+      </p:pic>
+    </p:spTree>
+  </p:cSld>
+  <p:clrMapOvr>
+    <a:masterClrMapping/>
+  </p:clrMapOvr>
+  <mc:AlternateContent xmlns:mc="http://schemas.openxmlformats.org/markup-compatibility/2006" xmlns:p159="http://schemas.microsoft.com/office/powerpoint/2015/09/main">
+    <mc:Choice Requires="p159">
+      <p:transition xmlns:p14="http://schemas.microsoft.com/office/powerpoint/2010/main" spd="slow" p14:dur="2000">
+        <p159:morph option="byObject"/>
+      </p:transition>
+    </mc:Choice>
+    <mc:Fallback>
+      <p:transition spd="slow">
+        <p:fade/>
+      </p:transition>
+    </mc:Fallback>
+  </mc:AlternateContent>
+</p:sld>
+</file>
+
+<file path=ppt/slides/slide13.xml><?xml version="1.0" encoding="utf-8"?>
+<p:sld xmlns:a="http://schemas.openxmlformats.org/drawingml/2006/main" xmlns:r="http://schemas.openxmlformats.org/officeDocument/2006/relationships" xmlns:p="http://schemas.openxmlformats.org/presentationml/2006/main">
+  <p:cSld>
+    <p:bg>
+      <p:bgPr>
+        <a:solidFill>
+          <a:schemeClr val="accent4">
+            <a:lumMod val="20000"/>
+            <a:lumOff val="80000"/>
+          </a:schemeClr>
+        </a:solidFill>
+        <a:effectLst/>
+      </p:bgPr>
+    </p:bg>
+    <p:spTree>
+      <p:nvGrpSpPr>
+        <p:cNvPr id="1" name=""/>
+        <p:cNvGrpSpPr/>
+        <p:nvPr/>
+      </p:nvGrpSpPr>
+      <p:grpSpPr>
+        <a:xfrm>
+          <a:off x="0" y="0"/>
+          <a:ext cx="0" cy="0"/>
+          <a:chOff x="0" y="0"/>
+          <a:chExt cx="0" cy="0"/>
+        </a:xfrm>
+      </p:grpSpPr>
+      <p:sp>
+        <p:nvSpPr>
+          <p:cNvPr id="20" name="Title 19"/>
+          <p:cNvSpPr/>
+          <p:nvPr>
+            <p:ph type="ctrTitle"/>
+          </p:nvPr>
+        </p:nvSpPr>
+        <p:spPr>
+          <a:xfrm>
+            <a:off x="3048000" y="485140"/>
+            <a:ext cx="6096000" cy="678815"/>
+          </a:xfrm>
+        </p:spPr>
+        <p:txBody>
+          <a:bodyPr>
+            <a:scene3d>
+              <a:camera prst="orthographicFront"/>
+              <a:lightRig rig="threePt" dir="t"/>
+            </a:scene3d>
+            <a:sp3d extrusionH="57150">
+              <a:extrusionClr>
+                <a:schemeClr val="bg1">
+                  <a:lumMod val="95000"/>
+                </a:schemeClr>
+              </a:extrusionClr>
+            </a:sp3d>
+          </a:bodyPr>
+          <a:p>
+            <a:r>
+              <a:rPr lang="en-US" sz="3600">
+                <a:ln w="12700" cmpd="sng">
+                  <a:solidFill>
+                    <a:schemeClr val="accent4"/>
+                  </a:solidFill>
+                  <a:prstDash val="solid"/>
+                </a:ln>
+                <a:gradFill>
+                  <a:gsLst>
+                    <a:gs pos="0">
+                      <a:schemeClr val="accent4"/>
+                    </a:gs>
+                    <a:gs pos="4000">
+                      <a:schemeClr val="accent4">
+                        <a:lumMod val="60000"/>
+                        <a:lumOff val="40000"/>
+                      </a:schemeClr>
+                    </a:gs>
+                    <a:gs pos="87000">
+                      <a:schemeClr val="accent4">
+                        <a:lumMod val="20000"/>
+                        <a:lumOff val="80000"/>
+                      </a:schemeClr>
+                    </a:gs>
+                  </a:gsLst>
+                  <a:lin ang="5400000"/>
+                </a:gradFill>
+                <a:effectLst>
+                  <a:glow rad="101600">
+                    <a:schemeClr val="tx2">
+                      <a:lumMod val="90000"/>
+                      <a:alpha val="40000"/>
+                    </a:schemeClr>
+                  </a:glow>
+                  <a:reflection blurRad="6350" stA="55000" endA="300" endPos="45500" dir="5400000" sy="-100000" algn="bl" rotWithShape="0"/>
+                </a:effectLst>
+                <a:latin typeface="Gentium Basic" panose="02000503060000020004" charset="0"/>
+                <a:cs typeface="Gentium Basic" panose="02000503060000020004" charset="0"/>
+              </a:rPr>
+              <a:t>PODCAST</a:t>
+            </a:r>
+            <a:endParaRPr lang="en-US" sz="3600">
+              <a:ln w="12700" cmpd="sng">
+                <a:solidFill>
+                  <a:schemeClr val="accent4"/>
+                </a:solidFill>
+                <a:prstDash val="solid"/>
+              </a:ln>
+              <a:gradFill>
+                <a:gsLst>
+                  <a:gs pos="0">
+                    <a:schemeClr val="accent4"/>
+                  </a:gs>
+                  <a:gs pos="4000">
+                    <a:schemeClr val="accent4">
+                      <a:lumMod val="60000"/>
+                      <a:lumOff val="40000"/>
+                    </a:schemeClr>
+                  </a:gs>
+                  <a:gs pos="87000">
+                    <a:schemeClr val="accent4">
+                      <a:lumMod val="20000"/>
+                      <a:lumOff val="80000"/>
+                    </a:schemeClr>
+                  </a:gs>
+                </a:gsLst>
+                <a:lin ang="5400000"/>
+              </a:gradFill>
+              <a:effectLst>
+                <a:glow rad="101600">
+                  <a:schemeClr val="tx2">
+                    <a:lumMod val="90000"/>
+                    <a:alpha val="40000"/>
+                  </a:schemeClr>
+                </a:glow>
+                <a:reflection blurRad="6350" stA="55000" endA="300" endPos="45500" dir="5400000" sy="-100000" algn="bl" rotWithShape="0"/>
+              </a:effectLst>
+              <a:latin typeface="Gentium Basic" panose="02000503060000020004" charset="0"/>
+              <a:cs typeface="Gentium Basic" panose="02000503060000020004" charset="0"/>
+            </a:endParaRPr>
+          </a:p>
+        </p:txBody>
+      </p:sp>
+      <p:graphicFrame>
+        <p:nvGraphicFramePr>
+          <p:cNvPr id="2" name="Object 1">
+            <a:hlinkClick r:id="" action="ppaction://ole?verb="/>
+          </p:cNvPr>
+          <p:cNvGraphicFramePr>
+            <a:graphicFrameLocks noChangeAspect="1"/>
+          </p:cNvGraphicFramePr>
+          <p:nvPr/>
+        </p:nvGraphicFramePr>
+        <p:xfrm>
+          <a:off x="3457258" y="3352483"/>
+          <a:ext cx="5276850" cy="152400"/>
+        </p:xfrm>
+        <a:graphic>
+          <a:graphicData uri="http://schemas.openxmlformats.org/presentationml/2006/ole">
+            <mc:AlternateContent xmlns:mc="http://schemas.openxmlformats.org/markup-compatibility/2006">
+              <mc:Choice xmlns:v="urn:schemas-microsoft-com:vml" Requires="v">
+                <p:oleObj spid="_x0000_s1025" name="" r:id="rId1" imgW="5276850" imgH="152400" progId="Word.Document.8">
+                  <p:embed/>
+                </p:oleObj>
+              </mc:Choice>
+              <mc:Fallback>
+                <p:oleObj name="" r:id="rId1" imgW="5276850" imgH="152400" progId="Word.Document.8">
+                  <p:embed/>
+                  <p:pic>
+                    <p:nvPicPr>
+                      <p:cNvPr id="0" name="Picture 1024"/>
+                      <p:cNvPicPr/>
+                      <p:nvPr/>
+                    </p:nvPicPr>
+                    <p:blipFill>
+                      <a:blip r:embed="rId2"/>
+                      <a:stretch>
+                        <a:fillRect/>
+                      </a:stretch>
+                    </p:blipFill>
+                    <p:spPr>
+                      <a:xfrm>
+                        <a:off x="3457258" y="3352483"/>
+                        <a:ext cx="5276850" cy="152400"/>
+                      </a:xfrm>
+                      <a:prstGeom prst="rect">
+                        <a:avLst/>
+                      </a:prstGeom>
+                    </p:spPr>
+                  </p:pic>
+                </p:oleObj>
+              </mc:Fallback>
+            </mc:AlternateContent>
+          </a:graphicData>
+        </a:graphic>
+      </p:graphicFrame>
+      <p:pic>
+        <p:nvPicPr>
+          <p:cNvPr id="4" name="Sebass">
+            <a:hlinkClick r:id="" action="ppaction://media"/>
+          </p:cNvPr>
+          <p:cNvPicPr/>
+          <p:nvPr>
+            <a:audioFile r:link="rId3"/>
+            <p:extLst>
+              <p:ext uri="{DAA4B4D4-6D71-4841-9C94-3DE7FCFB9230}">
+                <p14:media xmlns:p14="http://schemas.microsoft.com/office/powerpoint/2010/main" r:embed="rId4"/>
+              </p:ext>
+            </p:extLst>
+          </p:nvPr>
+        </p:nvPicPr>
+        <p:blipFill>
+          <a:blip r:embed="rId5"/>
+          <a:stretch>
+            <a:fillRect/>
+          </a:stretch>
+        </p:blipFill>
+        <p:spPr>
+          <a:xfrm>
+            <a:off x="5372735" y="2578100"/>
+            <a:ext cx="1446530" cy="1210945"/>
+          </a:xfrm>
+          <a:prstGeom prst="rect">
+            <a:avLst/>
+          </a:prstGeom>
+        </p:spPr>
+      </p:pic>
+    </p:spTree>
+  </p:cSld>
+  <p:clrMapOvr>
+    <a:masterClrMapping/>
+  </p:clrMapOvr>
+  <mc:AlternateContent xmlns:mc="http://schemas.openxmlformats.org/markup-compatibility/2006" xmlns:p159="http://schemas.microsoft.com/office/powerpoint/2015/09/main">
+    <mc:Choice Requires="p159">
+      <p:transition xmlns:p14="http://schemas.microsoft.com/office/powerpoint/2010/main" spd="slow" p14:dur="2000">
+        <p159:morph option="byObject"/>
+      </p:transition>
+    </mc:Choice>
+    <mc:Fallback>
+      <p:transition spd="slow">
+        <p:fade/>
+      </p:transition>
+    </mc:Fallback>
+  </mc:AlternateContent>
+  <p:timing>
+    <p:tnLst>
+      <p:par>
+        <p:cTn id="1" dur="indefinite" restart="never" nodeType="tmRoot">
+          <p:childTnLst>
+            <p:seq concurrent="1" nextAc="seek">
+              <p:cTn id="2" dur="indefinite" nodeType="mainSeq">
+                <p:childTnLst>
+                  <p:par>
+                    <p:cTn id="3" fill="hold">
+                      <p:stCondLst>
+                        <p:cond delay="indefinite"/>
+                        <p:cond evt="onBegin" delay="0">
+                          <p:tn val="2"/>
+                        </p:cond>
+                      </p:stCondLst>
+                      <p:childTnLst>
+                        <p:par>
+                          <p:cTn id="4" fill="hold">
+                            <p:stCondLst>
+                              <p:cond delay="0"/>
+                            </p:stCondLst>
+                            <p:childTnLst>
+                              <p:par>
+                                <p:cTn id="5" presetID="1" presetClass="mediacall" presetSubtype="0" fill="hold" nodeType="afterEffect">
+                                  <p:stCondLst>
+                                    <p:cond delay="0"/>
+                                  </p:stCondLst>
+                                  <p:childTnLst>
+                                    <p:cmd type="call" cmd="playFrom(0.0)">
+                                      <p:cBhvr additive="base">
+                                        <p:cTn id="6" dur="60199" fill="hold"/>
+                                        <p:tgtEl>
+                                          <p:spTgt spid="4"/>
+                                        </p:tgtEl>
+                                      </p:cBhvr>
+                                    </p:cmd>
+                                  </p:childTnLst>
+                                </p:cTn>
+                              </p:par>
+                            </p:childTnLst>
+                          </p:cTn>
+                        </p:par>
+                      </p:childTnLst>
+                    </p:cTn>
+                  </p:par>
+                </p:childTnLst>
+              </p:cTn>
+              <p:prevCondLst>
+                <p:cond evt="onPrev" delay="0">
+                  <p:tgtEl>
+                    <p:sldTgt/>
+                  </p:tgtEl>
+                </p:cond>
+              </p:prevCondLst>
+              <p:nextCondLst>
+                <p:cond evt="onNext" delay="0">
+                  <p:tgtEl>
+                    <p:sldTgt/>
+                  </p:tgtEl>
+                </p:cond>
+              </p:nextCondLst>
+            </p:seq>
+            <p:audio>
+              <p:cMediaNode>
+                <p:cTn id="7" fill="hold" display="1">
+                  <p:stCondLst>
+                    <p:cond delay="indefinite"/>
+                  </p:stCondLst>
+                  <p:endCondLst>
+                    <p:cond evt="onStopAudio">
+                      <p:tgtEl>
+                        <p:sldTgt/>
+                      </p:tgtEl>
+                    </p:cond>
+                  </p:endCondLst>
+                </p:cTn>
+                <p:tgtEl>
+                  <p:spTgt spid="4"/>
+                </p:tgtEl>
+              </p:cMediaNode>
+            </p:audio>
+          </p:childTnLst>
+        </p:cTn>
+      </p:par>
+    </p:tnLst>
+  </p:timing>
+</p:sld>
+</file>
+
+<file path=ppt/slides/slide14.xml><?xml version="1.0" encoding="utf-8"?>
+<p:sld xmlns:a="http://schemas.openxmlformats.org/drawingml/2006/main" xmlns:r="http://schemas.openxmlformats.org/officeDocument/2006/relationships" xmlns:p="http://schemas.openxmlformats.org/presentationml/2006/main">
+  <p:cSld>
+    <p:bg>
+      <p:bgPr>
+        <a:solidFill>
+          <a:schemeClr val="accent4">
+            <a:lumMod val="20000"/>
+            <a:lumOff val="80000"/>
+          </a:schemeClr>
+        </a:solidFill>
+        <a:effectLst/>
+      </p:bgPr>
+    </p:bg>
+    <p:spTree>
+      <p:nvGrpSpPr>
+        <p:cNvPr id="1" name=""/>
+        <p:cNvGrpSpPr/>
+        <p:nvPr/>
+      </p:nvGrpSpPr>
+      <p:grpSpPr>
+        <a:xfrm>
+          <a:off x="0" y="0"/>
+          <a:ext cx="0" cy="0"/>
+          <a:chOff x="0" y="0"/>
+          <a:chExt cx="0" cy="0"/>
+        </a:xfrm>
+      </p:grpSpPr>
+      <p:sp>
+        <p:nvSpPr>
+          <p:cNvPr id="20" name="Title 19"/>
+          <p:cNvSpPr/>
+          <p:nvPr>
+            <p:ph type="ctrTitle"/>
+          </p:nvPr>
+        </p:nvSpPr>
+        <p:spPr>
+          <a:xfrm>
+            <a:off x="3048000" y="485140"/>
+            <a:ext cx="6096000" cy="678815"/>
+          </a:xfrm>
+        </p:spPr>
+        <p:txBody>
+          <a:bodyPr>
+            <a:scene3d>
+              <a:camera prst="orthographicFront"/>
+              <a:lightRig rig="threePt" dir="t"/>
+            </a:scene3d>
+            <a:sp3d extrusionH="57150">
+              <a:extrusionClr>
+                <a:schemeClr val="bg1">
+                  <a:lumMod val="95000"/>
+                </a:schemeClr>
+              </a:extrusionClr>
+            </a:sp3d>
+          </a:bodyPr>
+          <a:p>
+            <a:r>
+              <a:rPr lang="en-US" sz="3600">
+                <a:ln w="12700" cmpd="sng">
+                  <a:solidFill>
+                    <a:schemeClr val="accent4"/>
+                  </a:solidFill>
+                  <a:prstDash val="solid"/>
+                </a:ln>
+                <a:gradFill>
+                  <a:gsLst>
+                    <a:gs pos="0">
+                      <a:schemeClr val="accent4"/>
+                    </a:gs>
+                    <a:gs pos="4000">
+                      <a:schemeClr val="accent4">
+                        <a:lumMod val="60000"/>
+                        <a:lumOff val="40000"/>
+                      </a:schemeClr>
+                    </a:gs>
+                    <a:gs pos="87000">
+                      <a:schemeClr val="accent4">
+                        <a:lumMod val="20000"/>
+                        <a:lumOff val="80000"/>
+                      </a:schemeClr>
+                    </a:gs>
+                  </a:gsLst>
+                  <a:lin ang="5400000"/>
+                </a:gradFill>
+                <a:effectLst>
+                  <a:glow rad="101600">
+                    <a:schemeClr val="tx2">
+                      <a:lumMod val="90000"/>
+                      <a:alpha val="40000"/>
+                    </a:schemeClr>
+                  </a:glow>
+                  <a:reflection blurRad="6350" stA="55000" endA="300" endPos="45500" dir="5400000" sy="-100000" algn="bl" rotWithShape="0"/>
+                </a:effectLst>
+                <a:latin typeface="Gentium Basic" panose="02000503060000020004" charset="0"/>
+                <a:cs typeface="Gentium Basic" panose="02000503060000020004" charset="0"/>
+              </a:rPr>
+              <a:t>VIDEO TUTORIAL</a:t>
+            </a:r>
+            <a:endParaRPr lang="en-US" sz="3600">
+              <a:ln w="12700" cmpd="sng">
+                <a:solidFill>
+                  <a:schemeClr val="accent4"/>
+                </a:solidFill>
+                <a:prstDash val="solid"/>
+              </a:ln>
+              <a:gradFill>
+                <a:gsLst>
+                  <a:gs pos="0">
+                    <a:schemeClr val="accent4"/>
+                  </a:gs>
+                  <a:gs pos="4000">
+                    <a:schemeClr val="accent4">
+                      <a:lumMod val="60000"/>
+                      <a:lumOff val="40000"/>
+                    </a:schemeClr>
+                  </a:gs>
+                  <a:gs pos="87000">
+                    <a:schemeClr val="accent4">
+                      <a:lumMod val="20000"/>
+                      <a:lumOff val="80000"/>
+                    </a:schemeClr>
+                  </a:gs>
+                </a:gsLst>
+                <a:lin ang="5400000"/>
+              </a:gradFill>
+              <a:effectLst>
+                <a:glow rad="101600">
+                  <a:schemeClr val="tx2">
+                    <a:lumMod val="90000"/>
+                    <a:alpha val="40000"/>
+                  </a:schemeClr>
+                </a:glow>
+                <a:reflection blurRad="6350" stA="55000" endA="300" endPos="45500" dir="5400000" sy="-100000" algn="bl" rotWithShape="0"/>
+              </a:effectLst>
+              <a:latin typeface="Gentium Basic" panose="02000503060000020004" charset="0"/>
+              <a:cs typeface="Gentium Basic" panose="02000503060000020004" charset="0"/>
+            </a:endParaRPr>
+          </a:p>
+        </p:txBody>
+      </p:sp>
+      <p:graphicFrame>
+        <p:nvGraphicFramePr>
+          <p:cNvPr id="2" name="Object 1">
+            <a:hlinkClick r:id="" action="ppaction://ole?verb="/>
+          </p:cNvPr>
+          <p:cNvGraphicFramePr>
+            <a:graphicFrameLocks noChangeAspect="1"/>
+          </p:cNvGraphicFramePr>
+          <p:nvPr/>
+        </p:nvGraphicFramePr>
+        <p:xfrm>
+          <a:off x="3457258" y="3352483"/>
+          <a:ext cx="5276850" cy="152400"/>
+        </p:xfrm>
+        <a:graphic>
+          <a:graphicData uri="http://schemas.openxmlformats.org/presentationml/2006/ole">
+            <mc:AlternateContent xmlns:mc="http://schemas.openxmlformats.org/markup-compatibility/2006">
+              <mc:Choice xmlns:v="urn:schemas-microsoft-com:vml" Requires="v">
+                <p:oleObj spid="_x0000_s1025" name="" r:id="rId1" imgW="5276850" imgH="152400" progId="Word.Document.8">
+                  <p:embed/>
+                </p:oleObj>
+              </mc:Choice>
+              <mc:Fallback>
+                <p:oleObj name="" r:id="rId1" imgW="5276850" imgH="152400" progId="Word.Document.8">
+                  <p:embed/>
+                  <p:pic>
+                    <p:nvPicPr>
+                      <p:cNvPr id="0" name="Picture 1024"/>
+                      <p:cNvPicPr/>
+                      <p:nvPr/>
+                    </p:nvPicPr>
+                    <p:blipFill>
+                      <a:blip r:embed="rId2"/>
+                      <a:stretch>
+                        <a:fillRect/>
+                      </a:stretch>
+                    </p:blipFill>
+                    <p:spPr>
+                      <a:xfrm>
+                        <a:off x="3457258" y="3352483"/>
+                        <a:ext cx="5276850" cy="152400"/>
+                      </a:xfrm>
+                      <a:prstGeom prst="rect">
+                        <a:avLst/>
+                      </a:prstGeom>
+                    </p:spPr>
+                  </p:pic>
+                </p:oleObj>
+              </mc:Fallback>
+            </mc:AlternateContent>
+          </a:graphicData>
+        </a:graphic>
+      </p:graphicFrame>
+      <p:pic>
+        <p:nvPicPr>
+          <p:cNvPr id="5" name="VídeoMOV">
+            <a:hlinkClick r:id="" action="ppaction://media"/>
+          </p:cNvPr>
+          <p:cNvPicPr/>
+          <p:nvPr>
+            <a:videoFile r:link="rId3"/>
+            <p:extLst>
+              <p:ext uri="{DAA4B4D4-6D71-4841-9C94-3DE7FCFB9230}">
+                <p14:media xmlns:p14="http://schemas.microsoft.com/office/powerpoint/2010/main" r:link="rId4"/>
+              </p:ext>
+            </p:extLst>
+            <p:custDataLst>
+              <p:tags r:id="rId5"/>
+            </p:custDataLst>
+          </p:nvPr>
+        </p:nvPicPr>
+        <p:blipFill>
+          <a:blip r:embed="rId6"/>
+          <a:stretch>
+            <a:fillRect/>
+          </a:stretch>
+        </p:blipFill>
+        <p:spPr>
+          <a:xfrm rot="16200000">
+            <a:off x="4764405" y="1477010"/>
+            <a:ext cx="2662555" cy="4365625"/>
+          </a:xfrm>
+          <a:prstGeom prst="rect">
+            <a:avLst/>
+          </a:prstGeom>
+        </p:spPr>
+      </p:pic>
+    </p:spTree>
+  </p:cSld>
+  <p:clrMapOvr>
+    <a:masterClrMapping/>
+  </p:clrMapOvr>
+  <mc:AlternateContent xmlns:mc="http://schemas.openxmlformats.org/markup-compatibility/2006" xmlns:p159="http://schemas.microsoft.com/office/powerpoint/2015/09/main">
+    <mc:Choice Requires="p159">
+      <p:transition xmlns:p14="http://schemas.microsoft.com/office/powerpoint/2010/main" spd="slow" p14:dur="2000">
+        <p159:morph option="byObject"/>
+      </p:transition>
+    </mc:Choice>
+    <mc:Fallback>
+      <p:transition spd="slow">
+        <p:fade/>
+      </p:transition>
+    </mc:Fallback>
+  </mc:AlternateContent>
+  <p:timing>
+    <p:tnLst>
+      <p:par>
+        <p:cTn id="1" dur="indefinite" restart="never" nodeType="tmRoot">
+          <p:childTnLst>
+            <p:video fullScrn="0">
+              <p:cMediaNode>
+                <p:cTn id="2" fill="hold" display="1">
+                  <p:stCondLst>
+                    <p:cond delay="indefinite"/>
+                  </p:stCondLst>
+                </p:cTn>
+                <p:tgtEl>
+                  <p:spTgt spid="5"/>
+                </p:tgtEl>
+              </p:cMediaNode>
+            </p:video>
+            <p:seq concurrent="1" nextAc="seek">
+              <p:cTn id="3" restart="whenNotActive" fill="hold" evtFilter="cancelBubble" nodeType="interactiveSeq">
+                <p:stCondLst>
+                  <p:cond evt="onClick" delay="0">
+                    <p:tgtEl>
+                      <p:spTgt spid="5"/>
+                    </p:tgtEl>
+                  </p:cond>
+                </p:stCondLst>
+                <p:endSync evt="end" delay="0">
+                  <p:rtn val="all"/>
+                </p:endSync>
+                <p:childTnLst>
+                  <p:par>
+                    <p:cTn id="4" fill="hold">
+                      <p:stCondLst>
+                        <p:cond delay="0"/>
+                      </p:stCondLst>
+                      <p:childTnLst>
+                        <p:par>
+                          <p:cTn id="5" fill="hold">
+                            <p:stCondLst>
+                              <p:cond delay="0"/>
+                            </p:stCondLst>
+                            <p:childTnLst>
+                              <p:par>
+                                <p:cTn id="6" presetID="2" presetClass="mediacall" presetSubtype="0" fill="hold" nodeType="clickEffect">
+                                  <p:stCondLst>
+                                    <p:cond delay="0"/>
+                                  </p:stCondLst>
+                                  <p:childTnLst>
+                                    <p:cmd type="call" cmd="togglePause">
+                                      <p:cBhvr additive="base">
+                                        <p:cTn id="7" dur="1" fill="hold"/>
+                                        <p:tgtEl>
+                                          <p:spTgt spid="5"/>
+                                        </p:tgtEl>
+                                      </p:cBhvr>
+                                    </p:cmd>
+                                  </p:childTnLst>
+                                </p:cTn>
+                              </p:par>
+                            </p:childTnLst>
+                          </p:cTn>
+                        </p:par>
+                      </p:childTnLst>
+                    </p:cTn>
+                  </p:par>
+                </p:childTnLst>
+              </p:cTn>
+              <p:nextCondLst>
+                <p:cond evt="onClick" delay="0">
+                  <p:tgtEl>
+                    <p:spTgt spid="5"/>
+                  </p:tgtEl>
+                </p:cond>
+              </p:nextCondLst>
+            </p:seq>
+          </p:childTnLst>
+        </p:cTn>
+      </p:par>
+    </p:tnLst>
+  </p:timing>
+</p:sld>
+</file>
+
+<file path=ppt/slides/slide15.xml><?xml version="1.0" encoding="utf-8"?>
+<p:sld xmlns:a="http://schemas.openxmlformats.org/drawingml/2006/main" xmlns:r="http://schemas.openxmlformats.org/officeDocument/2006/relationships" xmlns:p="http://schemas.openxmlformats.org/presentationml/2006/main">
+  <p:cSld>
+    <p:bg>
+      <p:bgPr>
+        <a:solidFill>
+          <a:schemeClr val="accent4">
+            <a:lumMod val="20000"/>
+            <a:lumOff val="80000"/>
+          </a:schemeClr>
+        </a:solidFill>
+        <a:effectLst/>
+      </p:bgPr>
+    </p:bg>
+    <p:spTree>
+      <p:nvGrpSpPr>
+        <p:cNvPr id="1" name=""/>
+        <p:cNvGrpSpPr/>
+        <p:nvPr/>
+      </p:nvGrpSpPr>
+      <p:grpSpPr>
+        <a:xfrm>
+          <a:off x="0" y="0"/>
+          <a:ext cx="0" cy="0"/>
+          <a:chOff x="0" y="0"/>
+          <a:chExt cx="0" cy="0"/>
+        </a:xfrm>
+      </p:grpSpPr>
+      <p:sp>
+        <p:nvSpPr>
+          <p:cNvPr id="20" name="Title 19"/>
+          <p:cNvSpPr/>
+          <p:nvPr>
+            <p:ph type="ctrTitle"/>
+          </p:nvPr>
+        </p:nvSpPr>
+        <p:spPr>
+          <a:xfrm>
+            <a:off x="3048000" y="485140"/>
+            <a:ext cx="6096000" cy="678815"/>
+          </a:xfrm>
+        </p:spPr>
+        <p:txBody>
+          <a:bodyPr>
+            <a:scene3d>
+              <a:camera prst="orthographicFront"/>
+              <a:lightRig rig="threePt" dir="t"/>
+            </a:scene3d>
+            <a:sp3d extrusionH="57150">
+              <a:extrusionClr>
+                <a:schemeClr val="bg1">
+                  <a:lumMod val="95000"/>
+                </a:schemeClr>
+              </a:extrusionClr>
+            </a:sp3d>
+          </a:bodyPr>
+          <a:p>
+            <a:r>
+              <a:rPr lang="en-US" sz="3600">
+                <a:ln w="12700" cmpd="sng">
+                  <a:solidFill>
+                    <a:schemeClr val="accent4"/>
+                  </a:solidFill>
+                  <a:prstDash val="solid"/>
+                </a:ln>
+                <a:gradFill>
+                  <a:gsLst>
+                    <a:gs pos="0">
+                      <a:schemeClr val="accent4"/>
+                    </a:gs>
+                    <a:gs pos="4000">
+                      <a:schemeClr val="accent4">
+                        <a:lumMod val="60000"/>
+                        <a:lumOff val="40000"/>
+                      </a:schemeClr>
+                    </a:gs>
+                    <a:gs pos="87000">
+                      <a:schemeClr val="accent4">
+                        <a:lumMod val="20000"/>
+                        <a:lumOff val="80000"/>
+                      </a:schemeClr>
+                    </a:gs>
+                  </a:gsLst>
+                  <a:lin ang="5400000"/>
+                </a:gradFill>
+                <a:effectLst>
+                  <a:glow rad="101600">
+                    <a:schemeClr val="tx2">
+                      <a:lumMod val="90000"/>
+                      <a:alpha val="40000"/>
+                    </a:schemeClr>
+                  </a:glow>
+                  <a:reflection blurRad="6350" stA="55000" endA="300" endPos="45500" dir="5400000" sy="-100000" algn="bl" rotWithShape="0"/>
+                </a:effectLst>
+                <a:latin typeface="Gentium Basic" panose="02000503060000020004" charset="0"/>
+                <a:cs typeface="Gentium Basic" panose="02000503060000020004" charset="0"/>
+              </a:rPr>
+              <a:t>GRÀFIC DE BARRES</a:t>
+            </a:r>
+            <a:endParaRPr lang="en-US" sz="3600">
+              <a:ln w="12700" cmpd="sng">
+                <a:solidFill>
+                  <a:schemeClr val="accent4"/>
+                </a:solidFill>
+                <a:prstDash val="solid"/>
+              </a:ln>
+              <a:gradFill>
+                <a:gsLst>
+                  <a:gs pos="0">
+                    <a:schemeClr val="accent4"/>
+                  </a:gs>
+                  <a:gs pos="4000">
+                    <a:schemeClr val="accent4">
+                      <a:lumMod val="60000"/>
+                      <a:lumOff val="40000"/>
+                    </a:schemeClr>
+                  </a:gs>
+                  <a:gs pos="87000">
+                    <a:schemeClr val="accent4">
+                      <a:lumMod val="20000"/>
+                      <a:lumOff val="80000"/>
+                    </a:schemeClr>
+                  </a:gs>
+                </a:gsLst>
+                <a:lin ang="5400000"/>
+              </a:gradFill>
+              <a:effectLst>
+                <a:glow rad="101600">
+                  <a:schemeClr val="tx2">
+                    <a:lumMod val="90000"/>
+                    <a:alpha val="40000"/>
+                  </a:schemeClr>
+                </a:glow>
+                <a:reflection blurRad="6350" stA="55000" endA="300" endPos="45500" dir="5400000" sy="-100000" algn="bl" rotWithShape="0"/>
+              </a:effectLst>
+              <a:latin typeface="Gentium Basic" panose="02000503060000020004" charset="0"/>
+              <a:cs typeface="Gentium Basic" panose="02000503060000020004" charset="0"/>
+            </a:endParaRPr>
+          </a:p>
+        </p:txBody>
+      </p:sp>
+      <p:graphicFrame>
+        <p:nvGraphicFramePr>
+          <p:cNvPr id="2" name="Object 1">
+            <a:hlinkClick r:id="" action="ppaction://ole?verb="/>
+          </p:cNvPr>
+          <p:cNvGraphicFramePr>
+            <a:graphicFrameLocks noChangeAspect="1"/>
+          </p:cNvGraphicFramePr>
+          <p:nvPr/>
+        </p:nvGraphicFramePr>
+        <p:xfrm>
+          <a:off x="3457258" y="3352483"/>
+          <a:ext cx="5276850" cy="152400"/>
+        </p:xfrm>
+        <a:graphic>
+          <a:graphicData uri="http://schemas.openxmlformats.org/presentationml/2006/ole">
+            <mc:AlternateContent xmlns:mc="http://schemas.openxmlformats.org/markup-compatibility/2006">
+              <mc:Choice xmlns:v="urn:schemas-microsoft-com:vml" Requires="v">
+                <p:oleObj spid="_x0000_s1025" name="" r:id="rId1" imgW="5276850" imgH="152400" progId="Word.Document.8">
+                  <p:embed/>
+                </p:oleObj>
+              </mc:Choice>
+              <mc:Fallback>
+                <p:oleObj name="" r:id="rId1" imgW="5276850" imgH="152400" progId="Word.Document.8">
+                  <p:embed/>
+                  <p:pic>
+                    <p:nvPicPr>
+                      <p:cNvPr id="0" name="Picture 1024"/>
+                      <p:cNvPicPr/>
+                      <p:nvPr/>
+                    </p:nvPicPr>
+                    <p:blipFill>
+                      <a:blip r:embed="rId2"/>
+                      <a:stretch>
+                        <a:fillRect/>
+                      </a:stretch>
+                    </p:blipFill>
+                    <p:spPr>
+                      <a:xfrm>
+                        <a:off x="3457258" y="3352483"/>
+                        <a:ext cx="5276850" cy="152400"/>
+                      </a:xfrm>
+                      <a:prstGeom prst="rect">
+                        <a:avLst/>
+                      </a:prstGeom>
+                    </p:spPr>
+                  </p:pic>
+                </p:oleObj>
+              </mc:Fallback>
+            </mc:AlternateContent>
+          </a:graphicData>
+        </a:graphic>
+      </p:graphicFrame>
+      <p:pic>
+        <p:nvPicPr>
+          <p:cNvPr id="3" name="Picture 2"/>
+          <p:cNvPicPr>
+            <a:picLocks noChangeAspect="1"/>
+          </p:cNvPicPr>
+          <p:nvPr/>
+        </p:nvPicPr>
+        <p:blipFill>
+          <a:blip r:embed="rId3"/>
+          <a:stretch>
+            <a:fillRect/>
+          </a:stretch>
+        </p:blipFill>
+        <p:spPr>
+          <a:xfrm>
+            <a:off x="4347845" y="2324100"/>
+            <a:ext cx="3495675" cy="2209800"/>
+          </a:xfrm>
+          <a:prstGeom prst="rect">
+            <a:avLst/>
+          </a:prstGeom>
+        </p:spPr>
+      </p:pic>
+    </p:spTree>
+  </p:cSld>
+  <p:clrMapOvr>
+    <a:masterClrMapping/>
+  </p:clrMapOvr>
+  <mc:AlternateContent xmlns:mc="http://schemas.openxmlformats.org/markup-compatibility/2006" xmlns:p159="http://schemas.microsoft.com/office/powerpoint/2015/09/main">
+    <mc:Choice Requires="p159">
+      <p:transition xmlns:p14="http://schemas.microsoft.com/office/powerpoint/2010/main" spd="slow" p14:dur="2000">
+        <p159:morph option="byObject"/>
+      </p:transition>
+    </mc:Choice>
+    <mc:Fallback>
+      <p:transition spd="slow">
+        <p:fade/>
+      </p:transition>
+    </mc:Fallback>
+  </mc:AlternateContent>
+  <p:timing>
+    <p:tnLst>
+      <p:par>
+        <p:cTn id="1" dur="indefinite" restart="never" nodeType="tmRoot"/>
+      </p:par>
+    </p:tnLst>
+  </p:timing>
+</p:sld>
+</file>
+
+<file path=ppt/slides/slide16.xml><?xml version="1.0" encoding="utf-8"?>
+<p:sld xmlns:a="http://schemas.openxmlformats.org/drawingml/2006/main" xmlns:r="http://schemas.openxmlformats.org/officeDocument/2006/relationships" xmlns:p="http://schemas.openxmlformats.org/presentationml/2006/main">
+  <p:cSld>
+    <p:bg>
+      <p:bgPr>
+        <a:solidFill>
+          <a:schemeClr val="accent4">
+            <a:lumMod val="20000"/>
+            <a:lumOff val="80000"/>
+          </a:schemeClr>
+        </a:solidFill>
+        <a:effectLst/>
+      </p:bgPr>
+    </p:bg>
+    <p:spTree>
+      <p:nvGrpSpPr>
+        <p:cNvPr id="1" name=""/>
+        <p:cNvGrpSpPr/>
+        <p:nvPr/>
+      </p:nvGrpSpPr>
+      <p:grpSpPr>
+        <a:xfrm>
+          <a:off x="0" y="0"/>
+          <a:ext cx="0" cy="0"/>
+          <a:chOff x="0" y="0"/>
+          <a:chExt cx="0" cy="0"/>
+        </a:xfrm>
+      </p:grpSpPr>
+      <p:sp>
+        <p:nvSpPr>
+          <p:cNvPr id="20" name="Title 19"/>
+          <p:cNvSpPr/>
+          <p:nvPr>
+            <p:ph type="ctrTitle"/>
+          </p:nvPr>
+        </p:nvSpPr>
+        <p:spPr>
+          <a:xfrm>
+            <a:off x="3048000" y="485140"/>
+            <a:ext cx="6096000" cy="678815"/>
+          </a:xfrm>
+        </p:spPr>
+        <p:txBody>
+          <a:bodyPr>
+            <a:scene3d>
+              <a:camera prst="orthographicFront"/>
+              <a:lightRig rig="threePt" dir="t"/>
+            </a:scene3d>
+            <a:sp3d extrusionH="57150">
+              <a:extrusionClr>
+                <a:schemeClr val="bg1">
+                  <a:lumMod val="95000"/>
+                </a:schemeClr>
+              </a:extrusionClr>
+            </a:sp3d>
+          </a:bodyPr>
+          <a:p>
+            <a:r>
+              <a:rPr lang="en-US" sz="3600">
+                <a:ln w="12700" cmpd="sng">
+                  <a:solidFill>
+                    <a:schemeClr val="accent4"/>
+                  </a:solidFill>
+                  <a:prstDash val="solid"/>
+                </a:ln>
+                <a:gradFill>
+                  <a:gsLst>
+                    <a:gs pos="0">
+                      <a:schemeClr val="accent4"/>
+                    </a:gs>
+                    <a:gs pos="4000">
+                      <a:schemeClr val="accent4">
+                        <a:lumMod val="60000"/>
+                        <a:lumOff val="40000"/>
+                      </a:schemeClr>
+                    </a:gs>
+                    <a:gs pos="87000">
+                      <a:schemeClr val="accent4">
+                        <a:lumMod val="20000"/>
+                        <a:lumOff val="80000"/>
+                      </a:schemeClr>
+                    </a:gs>
+                  </a:gsLst>
+                  <a:lin ang="5400000"/>
+                </a:gradFill>
+                <a:effectLst>
+                  <a:glow rad="101600">
+                    <a:schemeClr val="tx2">
+                      <a:lumMod val="90000"/>
+                      <a:alpha val="40000"/>
+                    </a:schemeClr>
+                  </a:glow>
+                  <a:reflection blurRad="6350" stA="55000" endA="300" endPos="45500" dir="5400000" sy="-100000" algn="bl" rotWithShape="0"/>
+                </a:effectLst>
+                <a:latin typeface="Gentium Basic" panose="02000503060000020004" charset="0"/>
+                <a:cs typeface="Gentium Basic" panose="02000503060000020004" charset="0"/>
+              </a:rPr>
+              <a:t>TAULA COMPARATIVA</a:t>
+            </a:r>
+            <a:endParaRPr lang="en-US" sz="3600">
+              <a:ln w="12700" cmpd="sng">
+                <a:solidFill>
+                  <a:schemeClr val="accent4"/>
+                </a:solidFill>
+                <a:prstDash val="solid"/>
+              </a:ln>
+              <a:gradFill>
+                <a:gsLst>
+                  <a:gs pos="0">
+                    <a:schemeClr val="accent4"/>
+                  </a:gs>
+                  <a:gs pos="4000">
+                    <a:schemeClr val="accent4">
+                      <a:lumMod val="60000"/>
+                      <a:lumOff val="40000"/>
+                    </a:schemeClr>
+                  </a:gs>
+                  <a:gs pos="87000">
+                    <a:schemeClr val="accent4">
+                      <a:lumMod val="20000"/>
+                      <a:lumOff val="80000"/>
+                    </a:schemeClr>
+                  </a:gs>
+                </a:gsLst>
+                <a:lin ang="5400000"/>
+              </a:gradFill>
+              <a:effectLst>
+                <a:glow rad="101600">
+                  <a:schemeClr val="tx2">
+                    <a:lumMod val="90000"/>
+                    <a:alpha val="40000"/>
+                  </a:schemeClr>
+                </a:glow>
+                <a:reflection blurRad="6350" stA="55000" endA="300" endPos="45500" dir="5400000" sy="-100000" algn="bl" rotWithShape="0"/>
+              </a:effectLst>
+              <a:latin typeface="Gentium Basic" panose="02000503060000020004" charset="0"/>
+              <a:cs typeface="Gentium Basic" panose="02000503060000020004" charset="0"/>
+            </a:endParaRPr>
+          </a:p>
+        </p:txBody>
+      </p:sp>
+      <p:graphicFrame>
+        <p:nvGraphicFramePr>
+          <p:cNvPr id="2" name="Object 1">
+            <a:hlinkClick r:id="" action="ppaction://ole?verb="/>
+          </p:cNvPr>
+          <p:cNvGraphicFramePr>
+            <a:graphicFrameLocks noChangeAspect="1"/>
+          </p:cNvGraphicFramePr>
+          <p:nvPr/>
+        </p:nvGraphicFramePr>
+        <p:xfrm>
+          <a:off x="3457258" y="3352483"/>
+          <a:ext cx="5276850" cy="152400"/>
+        </p:xfrm>
+        <a:graphic>
+          <a:graphicData uri="http://schemas.openxmlformats.org/presentationml/2006/ole">
+            <mc:AlternateContent xmlns:mc="http://schemas.openxmlformats.org/markup-compatibility/2006">
+              <mc:Choice xmlns:v="urn:schemas-microsoft-com:vml" Requires="v">
+                <p:oleObj spid="_x0000_s1025" name="" r:id="rId1" imgW="5276850" imgH="152400" progId="Word.Document.8">
+                  <p:embed/>
+                </p:oleObj>
+              </mc:Choice>
+              <mc:Fallback>
+                <p:oleObj name="" r:id="rId1" imgW="5276850" imgH="152400" progId="Word.Document.8">
+                  <p:embed/>
+                  <p:pic>
+                    <p:nvPicPr>
+                      <p:cNvPr id="0" name="Picture 1024"/>
+                      <p:cNvPicPr/>
+                      <p:nvPr/>
+                    </p:nvPicPr>
+                    <p:blipFill>
+                      <a:blip r:embed="rId2"/>
+                      <a:stretch>
+                        <a:fillRect/>
+                      </a:stretch>
+                    </p:blipFill>
+                    <p:spPr>
+                      <a:xfrm>
+                        <a:off x="3457258" y="3352483"/>
+                        <a:ext cx="5276850" cy="152400"/>
+                      </a:xfrm>
+                      <a:prstGeom prst="rect">
+                        <a:avLst/>
+                      </a:prstGeom>
+                    </p:spPr>
+                  </p:pic>
+                </p:oleObj>
+              </mc:Fallback>
+            </mc:AlternateContent>
+          </a:graphicData>
+        </a:graphic>
+      </p:graphicFrame>
+      <p:graphicFrame>
+        <p:nvGraphicFramePr>
+          <p:cNvPr id="3" name="Table 2"/>
+          <p:cNvGraphicFramePr/>
+          <p:nvPr/>
+        </p:nvGraphicFramePr>
+        <p:xfrm>
+          <a:off x="1828800" y="2857500"/>
+          <a:ext cx="8534400" cy="1143000"/>
+        </p:xfrm>
+        <a:graphic>
+          <a:graphicData uri="http://schemas.openxmlformats.org/drawingml/2006/table">
+            <a:tbl>
+              <a:tblPr firstRow="1" bandRow="1">
+                <a:tableStyleId>{5C22544A-7EE6-4342-B048-85BDC9FD1C3A}</a:tableStyleId>
+              </a:tblPr>
+              <a:tblGrid>
+                <a:gridCol w="2133600"/>
+                <a:gridCol w="2133600"/>
+                <a:gridCol w="2133600"/>
+                <a:gridCol w="2133600"/>
+              </a:tblGrid>
+              <a:tr h="381000">
+                <a:tc>
+                  <a:txBody>
+                    <a:bodyPr/>
+                    <a:p>
+                      <a:pPr algn="ctr">
+                        <a:buNone/>
+                      </a:pPr>
+                      <a:r>
+                        <a:rPr lang="en-US"/>
+                        <a:t>ZOHO</a:t>
+                      </a:r>
+                      <a:endParaRPr lang="en-US"/>
+                    </a:p>
+                  </a:txBody>
+                  <a:tcPr anchor="ctr" anchorCtr="0"/>
+                </a:tc>
+                <a:tc>
+                  <a:txBody>
+                    <a:bodyPr/>
+                    <a:p>
+                      <a:pPr algn="ctr">
+                        <a:buNone/>
+                      </a:pPr>
+                      <a:r>
+                        <a:rPr lang="en-US"/>
+                        <a:t>Moltes eines de suite</a:t>
+                      </a:r>
+                      <a:endParaRPr lang="en-US"/>
+                    </a:p>
+                  </a:txBody>
+                  <a:tcPr anchor="ctr" anchorCtr="0"/>
+                </a:tc>
+                <a:tc>
+                  <a:txBody>
+                    <a:bodyPr/>
+                    <a:p>
+                      <a:pPr algn="ctr">
+                        <a:buNone/>
+                      </a:pPr>
+                      <a:r>
+                        <a:rPr lang="en-US"/>
+                        <a:t>Integració amb serveis populars</a:t>
+                      </a:r>
+                      <a:endParaRPr lang="en-US"/>
+                    </a:p>
+                  </a:txBody>
+                  <a:tcPr anchor="ctr" anchorCtr="0"/>
+                </a:tc>
+                <a:tc>
+                  <a:txBody>
+                    <a:bodyPr/>
+                    <a:p>
+                      <a:pPr algn="ctr">
+                        <a:buNone/>
+                      </a:pPr>
+                      <a:r>
+                        <a:rPr lang="en-US"/>
+                        <a:t>Amplia capacitat de personalitzar</a:t>
+                      </a:r>
+                      <a:endParaRPr lang="en-US"/>
+                    </a:p>
+                  </a:txBody>
+                  <a:tcPr anchor="ctr" anchorCtr="0"/>
+                </a:tc>
+              </a:tr>
+              <a:tr h="381000">
+                <a:tc>
+                  <a:txBody>
+                    <a:bodyPr/>
+                    <a:p>
+                      <a:pPr algn="ctr">
+                        <a:buNone/>
+                      </a:pPr>
+                      <a:r>
+                        <a:rPr lang="en-US"/>
+                        <a:t>DRIVE</a:t>
+                      </a:r>
+                      <a:endParaRPr lang="en-US"/>
+                    </a:p>
+                  </a:txBody>
+                  <a:tcPr anchor="ctr" anchorCtr="0"/>
+                </a:tc>
+                <a:tc>
+                  <a:txBody>
+                    <a:bodyPr/>
+                    <a:p>
+                      <a:pPr algn="ctr">
+                        <a:buNone/>
+                      </a:pPr>
+                      <a:r>
+                        <a:rPr lang="en-US"/>
+                        <a:t>Sincronització</a:t>
+                      </a:r>
+                      <a:endParaRPr lang="en-US"/>
+                    </a:p>
+                    <a:p>
+                      <a:pPr algn="ctr">
+                        <a:buNone/>
+                      </a:pPr>
+                      <a:r>
+                        <a:rPr lang="en-US"/>
+                        <a:t>Automàtica</a:t>
+                      </a:r>
+                      <a:endParaRPr lang="en-US"/>
+                    </a:p>
+                  </a:txBody>
+                  <a:tcPr anchor="ctr" anchorCtr="0"/>
+                </a:tc>
+                <a:tc>
+                  <a:txBody>
+                    <a:bodyPr/>
+                    <a:p>
+                      <a:pPr algn="ctr">
+                        <a:buNone/>
+                      </a:pPr>
+                      <a:r>
+                        <a:rPr lang="en-US"/>
+                        <a:t>Guardat al núvol</a:t>
+                      </a:r>
+                      <a:endParaRPr lang="en-US"/>
+                    </a:p>
+                  </a:txBody>
+                  <a:tcPr anchor="ctr" anchorCtr="0"/>
+                </a:tc>
+                <a:tc>
+                  <a:txBody>
+                    <a:bodyPr/>
+                    <a:p>
+                      <a:pPr algn="ctr">
+                        <a:buNone/>
+                      </a:pPr>
+                      <a:r>
+                        <a:rPr lang="en-US"/>
+                        <a:t>Col·laboració a temps real</a:t>
+                      </a:r>
+                      <a:endParaRPr lang="en-US"/>
+                    </a:p>
+                  </a:txBody>
+                  <a:tcPr anchor="ctr" anchorCtr="0"/>
+                </a:tc>
+              </a:tr>
+            </a:tbl>
+          </a:graphicData>
+        </a:graphic>
+      </p:graphicFrame>
+    </p:spTree>
+  </p:cSld>
+  <p:clrMapOvr>
+    <a:masterClrMapping/>
+  </p:clrMapOvr>
+  <mc:AlternateContent xmlns:mc="http://schemas.openxmlformats.org/markup-compatibility/2006" xmlns:p159="http://schemas.microsoft.com/office/powerpoint/2015/09/main">
+    <mc:Choice Requires="p159">
+      <p:transition xmlns:p14="http://schemas.microsoft.com/office/powerpoint/2010/main" spd="slow" p14:dur="2000">
+        <p159:morph option="byObject"/>
+      </p:transition>
+    </mc:Choice>
+    <mc:Fallback>
+      <p:transition spd="slow">
+        <p:fade/>
+      </p:transition>
+    </mc:Fallback>
+  </mc:AlternateContent>
+  <p:timing>
+    <p:tnLst>
+      <p:par>
+        <p:cTn id="1" dur="indefinite" restart="never" nodeType="tmRoot"/>
+      </p:par>
+    </p:tnLst>
+  </p:timing>
+</p:sld>
+</file>
+
+<file path=ppt/slides/slide17.xml><?xml version="1.0" encoding="utf-8"?>
 <p:sld xmlns:a="http://schemas.openxmlformats.org/drawingml/2006/main" xmlns:r="http://schemas.openxmlformats.org/officeDocument/2006/relationships" xmlns:p="http://schemas.openxmlformats.org/presentationml/2006/main">
   <p:cSld>
     <p:bg>
@@ -49718,6 +53006,13 @@
 </p:sld>
 </file>
 
+<file path=ppt/tags/tag1.xml><?xml version="1.0" encoding="utf-8"?>
+<p:tagLst xmlns:p="http://schemas.openxmlformats.org/presentationml/2006/main">
+  <p:tag name="KSO_WM_MEDIACOVER_FLAG" val="1"/>
+  <p:tag name="KSO_WM_UNIT_MEDIACOVER_BTN_STATE" val="1"/>
+</p:tagLst>
+</file>
+
 <file path=ppt/theme/theme1.xml><?xml version="1.0" encoding="utf-8"?>
 <a:theme xmlns:a="http://schemas.openxmlformats.org/drawingml/2006/main" name="Squiggles Design Portfolio by Slidesgo">
   <a:themeElements>
